--- a/Lecture/Lecture 15/Lecture 15.pptx
+++ b/Lecture/Lecture 15/Lecture 15.pptx
@@ -6,10 +6,10 @@
     <p:sldMasterId id="2147483676" r:id="rId2"/>
   </p:sldMasterIdLst>
   <p:notesMasterIdLst>
-    <p:notesMasterId r:id="rId15"/>
+    <p:notesMasterId r:id="rId21"/>
   </p:notesMasterIdLst>
   <p:handoutMasterIdLst>
-    <p:handoutMasterId r:id="rId16"/>
+    <p:handoutMasterId r:id="rId22"/>
   </p:handoutMasterIdLst>
   <p:sldIdLst>
     <p:sldId id="320" r:id="rId3"/>
@@ -23,12 +23,18 @@
     <p:sldId id="397" r:id="rId11"/>
     <p:sldId id="398" r:id="rId12"/>
     <p:sldId id="399" r:id="rId13"/>
-    <p:sldId id="329" r:id="rId14"/>
+    <p:sldId id="400" r:id="rId14"/>
+    <p:sldId id="401" r:id="rId15"/>
+    <p:sldId id="402" r:id="rId16"/>
+    <p:sldId id="403" r:id="rId17"/>
+    <p:sldId id="404" r:id="rId18"/>
+    <p:sldId id="405" r:id="rId19"/>
+    <p:sldId id="329" r:id="rId20"/>
   </p:sldIdLst>
   <p:sldSz cx="9144000" cy="6858000" type="screen4x3"/>
   <p:notesSz cx="6858000" cy="9144000"/>
   <p:custDataLst>
-    <p:tags r:id="rId17"/>
+    <p:tags r:id="rId23"/>
   </p:custDataLst>
   <p:defaultTextStyle>
     <a:defPPr>
@@ -3435,7 +3441,7 @@
               <a:pPr>
                 <a:defRPr/>
               </a:pPr>
-              <a:t>10/1/2018</a:t>
+              <a:t>10/2/2018</a:t>
             </a:fld>
             <a:endParaRPr lang="en-US" dirty="0"/>
           </a:p>
@@ -3647,7 +3653,7 @@
               <a:pPr>
                 <a:defRPr/>
               </a:pPr>
-              <a:t>10/1/2018</a:t>
+              <a:t>10/2/2018</a:t>
             </a:fld>
             <a:endParaRPr lang="en-US" dirty="0"/>
           </a:p>
@@ -4166,7 +4172,7 @@
               <a:pPr>
                 <a:defRPr/>
               </a:pPr>
-              <a:t>10/1/2018</a:t>
+              <a:t>10/2/2018</a:t>
             </a:fld>
             <a:endParaRPr lang="en-US" dirty="0"/>
           </a:p>
@@ -4356,7 +4362,7 @@
               <a:pPr>
                 <a:defRPr/>
               </a:pPr>
-              <a:t>10/1/2018</a:t>
+              <a:t>10/2/2018</a:t>
             </a:fld>
             <a:endParaRPr lang="en-US" dirty="0"/>
           </a:p>
@@ -4556,7 +4562,7 @@
               <a:pPr>
                 <a:defRPr/>
               </a:pPr>
-              <a:t>10/1/2018</a:t>
+              <a:t>10/2/2018</a:t>
             </a:fld>
             <a:endParaRPr lang="en-US" dirty="0"/>
           </a:p>
@@ -4824,7 +4830,7 @@
               <a:pPr>
                 <a:defRPr/>
               </a:pPr>
-              <a:t>10/1/2018</a:t>
+              <a:t>10/2/2018</a:t>
             </a:fld>
             <a:endParaRPr lang="en-US" dirty="0">
               <a:solidFill>
@@ -5038,7 +5044,7 @@
               <a:pPr>
                 <a:defRPr/>
               </a:pPr>
-              <a:t>10/1/2018</a:t>
+              <a:t>10/2/2018</a:t>
             </a:fld>
             <a:endParaRPr lang="en-US" dirty="0">
               <a:solidFill>
@@ -5329,7 +5335,7 @@
               <a:pPr>
                 <a:defRPr/>
               </a:pPr>
-              <a:t>10/1/2018</a:t>
+              <a:t>10/2/2018</a:t>
             </a:fld>
             <a:endParaRPr lang="en-US" dirty="0">
               <a:solidFill>
@@ -5660,7 +5666,7 @@
               <a:pPr>
                 <a:defRPr/>
               </a:pPr>
-              <a:t>10/1/2018</a:t>
+              <a:t>10/2/2018</a:t>
             </a:fld>
             <a:endParaRPr lang="en-US" dirty="0">
               <a:solidFill>
@@ -6125,7 +6131,7 @@
               <a:pPr>
                 <a:defRPr/>
               </a:pPr>
-              <a:t>10/1/2018</a:t>
+              <a:t>10/2/2018</a:t>
             </a:fld>
             <a:endParaRPr lang="en-US" dirty="0">
               <a:solidFill>
@@ -6288,7 +6294,7 @@
               <a:pPr>
                 <a:defRPr/>
               </a:pPr>
-              <a:t>10/1/2018</a:t>
+              <a:t>10/2/2018</a:t>
             </a:fld>
             <a:endParaRPr lang="en-US" dirty="0">
               <a:solidFill>
@@ -6429,7 +6435,7 @@
               <a:pPr>
                 <a:defRPr/>
               </a:pPr>
-              <a:t>10/1/2018</a:t>
+              <a:t>10/2/2018</a:t>
             </a:fld>
             <a:endParaRPr lang="en-US" dirty="0">
               <a:solidFill>
@@ -6750,7 +6756,7 @@
               <a:pPr>
                 <a:defRPr/>
               </a:pPr>
-              <a:t>10/1/2018</a:t>
+              <a:t>10/2/2018</a:t>
             </a:fld>
             <a:endParaRPr lang="en-US" dirty="0">
               <a:solidFill>
@@ -6958,7 +6964,7 @@
               <a:pPr>
                 <a:defRPr/>
               </a:pPr>
-              <a:t>10/1/2018</a:t>
+              <a:t>10/2/2018</a:t>
             </a:fld>
             <a:endParaRPr lang="en-US" dirty="0"/>
           </a:p>
@@ -7241,7 +7247,7 @@
               <a:pPr>
                 <a:defRPr/>
               </a:pPr>
-              <a:t>10/1/2018</a:t>
+              <a:t>10/2/2018</a:t>
             </a:fld>
             <a:endParaRPr lang="en-US" dirty="0">
               <a:solidFill>
@@ -7455,7 +7461,7 @@
               <a:pPr>
                 <a:defRPr/>
               </a:pPr>
-              <a:t>10/1/2018</a:t>
+              <a:t>10/2/2018</a:t>
             </a:fld>
             <a:endParaRPr lang="en-US" dirty="0">
               <a:solidFill>
@@ -7679,7 +7685,7 @@
               <a:pPr>
                 <a:defRPr/>
               </a:pPr>
-              <a:t>10/1/2018</a:t>
+              <a:t>10/2/2018</a:t>
             </a:fld>
             <a:endParaRPr lang="en-US" dirty="0">
               <a:solidFill>
@@ -7889,7 +7895,7 @@
               <a:pPr>
                 <a:defRPr/>
               </a:pPr>
-              <a:t>10/1/2018</a:t>
+              <a:t>10/2/2018</a:t>
             </a:fld>
             <a:endParaRPr lang="en-US" dirty="0">
               <a:solidFill>
@@ -8166,7 +8172,7 @@
               <a:pPr>
                 <a:defRPr/>
               </a:pPr>
-              <a:t>10/1/2018</a:t>
+              <a:t>10/2/2018</a:t>
             </a:fld>
             <a:endParaRPr lang="en-US" dirty="0"/>
           </a:p>
@@ -8473,7 +8479,7 @@
               <a:pPr>
                 <a:defRPr/>
               </a:pPr>
-              <a:t>10/1/2018</a:t>
+              <a:t>10/2/2018</a:t>
             </a:fld>
             <a:endParaRPr lang="en-US" dirty="0"/>
           </a:p>
@@ -8914,7 +8920,7 @@
               <a:pPr>
                 <a:defRPr/>
               </a:pPr>
-              <a:t>10/1/2018</a:t>
+              <a:t>10/2/2018</a:t>
             </a:fld>
             <a:endParaRPr lang="en-US" dirty="0"/>
           </a:p>
@@ -9053,7 +9059,7 @@
               <a:pPr>
                 <a:defRPr/>
               </a:pPr>
-              <a:t>10/1/2018</a:t>
+              <a:t>10/2/2018</a:t>
             </a:fld>
             <a:endParaRPr lang="en-US" dirty="0"/>
           </a:p>
@@ -9170,7 +9176,7 @@
               <a:pPr>
                 <a:defRPr/>
               </a:pPr>
-              <a:t>10/1/2018</a:t>
+              <a:t>10/2/2018</a:t>
             </a:fld>
             <a:endParaRPr lang="en-US" dirty="0"/>
           </a:p>
@@ -9467,7 +9473,7 @@
               <a:pPr>
                 <a:defRPr/>
               </a:pPr>
-              <a:t>10/1/2018</a:t>
+              <a:t>10/2/2018</a:t>
             </a:fld>
             <a:endParaRPr lang="en-US" dirty="0"/>
           </a:p>
@@ -9744,7 +9750,7 @@
               <a:pPr>
                 <a:defRPr/>
               </a:pPr>
-              <a:t>10/1/2018</a:t>
+              <a:t>10/2/2018</a:t>
             </a:fld>
             <a:endParaRPr lang="en-US" dirty="0"/>
           </a:p>
@@ -10001,7 +10007,7 @@
               <a:pPr>
                 <a:defRPr/>
               </a:pPr>
-              <a:t>10/1/2018</a:t>
+              <a:t>10/2/2018</a:t>
             </a:fld>
             <a:endParaRPr lang="en-US" dirty="0"/>
           </a:p>
@@ -10711,7 +10717,7 @@
               <a:pPr>
                 <a:defRPr/>
               </a:pPr>
-              <a:t>10/1/2018</a:t>
+              <a:t>10/2/2018</a:t>
             </a:fld>
             <a:endParaRPr lang="en-US" dirty="0">
               <a:solidFill>
@@ -12346,7 +12352,7 @@
         <p:spPr>
           <a:xfrm>
             <a:off x="3810000" y="621916"/>
-            <a:ext cx="5105400" cy="3046988"/>
+            <a:ext cx="5105400" cy="5262979"/>
           </a:xfrm>
           <a:prstGeom prst="rect">
             <a:avLst/>
@@ -12376,10 +12382,6 @@
             </a:r>
           </a:p>
           <a:p>
-            <a:pPr marL="342900" indent="-342900">
-              <a:buFont typeface="Arial" panose="020B0604020202020204" pitchFamily="34" charset="0"/>
-              <a:buChar char="•"/>
-            </a:pPr>
             <a:endParaRPr lang="en-US" dirty="0">
               <a:solidFill>
                 <a:srgbClr val="404040"/>
@@ -12387,7 +12389,109 @@
             </a:endParaRPr>
           </a:p>
           <a:p>
-            <a:pPr marL="342900" indent="-342900">
+            <a:pPr marL="800100" lvl="1" indent="-342900">
+              <a:buFont typeface="Arial" panose="020B0604020202020204" pitchFamily="34" charset="0"/>
+              <a:buChar char="•"/>
+            </a:pPr>
+            <a:r>
+              <a:rPr lang="en-US" dirty="0">
+                <a:solidFill>
+                  <a:srgbClr val="404040"/>
+                </a:solidFill>
+              </a:rPr>
+              <a:t>Converting Variable Types</a:t>
+            </a:r>
+          </a:p>
+          <a:p>
+            <a:pPr marL="1257300" lvl="2" indent="-342900">
+              <a:buFont typeface="Arial" panose="020B0604020202020204" pitchFamily="34" charset="0"/>
+              <a:buChar char="•"/>
+            </a:pPr>
+            <a:r>
+              <a:rPr lang="en-US" dirty="0" err="1">
+                <a:solidFill>
+                  <a:srgbClr val="404040"/>
+                </a:solidFill>
+              </a:rPr>
+              <a:t>as.numeric</a:t>
+            </a:r>
+            <a:r>
+              <a:rPr lang="en-US" dirty="0">
+                <a:solidFill>
+                  <a:srgbClr val="404040"/>
+                </a:solidFill>
+              </a:rPr>
+              <a:t>()</a:t>
+            </a:r>
+          </a:p>
+          <a:p>
+            <a:pPr marL="1257300" lvl="2" indent="-342900">
+              <a:buFont typeface="Arial" panose="020B0604020202020204" pitchFamily="34" charset="0"/>
+              <a:buChar char="•"/>
+            </a:pPr>
+            <a:r>
+              <a:rPr lang="en-US" dirty="0" err="1">
+                <a:solidFill>
+                  <a:srgbClr val="404040"/>
+                </a:solidFill>
+              </a:rPr>
+              <a:t>as.character</a:t>
+            </a:r>
+            <a:r>
+              <a:rPr lang="en-US" dirty="0">
+                <a:solidFill>
+                  <a:srgbClr val="404040"/>
+                </a:solidFill>
+              </a:rPr>
+              <a:t>()</a:t>
+            </a:r>
+          </a:p>
+          <a:p>
+            <a:pPr marL="1257300" lvl="2" indent="-342900">
+              <a:buFont typeface="Arial" panose="020B0604020202020204" pitchFamily="34" charset="0"/>
+              <a:buChar char="•"/>
+            </a:pPr>
+            <a:r>
+              <a:rPr lang="en-US" dirty="0" err="1">
+                <a:solidFill>
+                  <a:srgbClr val="404040"/>
+                </a:solidFill>
+              </a:rPr>
+              <a:t>as.date</a:t>
+            </a:r>
+            <a:r>
+              <a:rPr lang="en-US" dirty="0">
+                <a:solidFill>
+                  <a:srgbClr val="404040"/>
+                </a:solidFill>
+              </a:rPr>
+              <a:t>()</a:t>
+            </a:r>
+          </a:p>
+          <a:p>
+            <a:pPr marL="1257300" lvl="2" indent="-342900">
+              <a:buFont typeface="Arial" panose="020B0604020202020204" pitchFamily="34" charset="0"/>
+              <a:buChar char="•"/>
+            </a:pPr>
+            <a:r>
+              <a:rPr lang="en-US" dirty="0" err="1">
+                <a:solidFill>
+                  <a:srgbClr val="404040"/>
+                </a:solidFill>
+              </a:rPr>
+              <a:t>as.integer</a:t>
+            </a:r>
+            <a:r>
+              <a:rPr lang="en-US" dirty="0">
+                <a:solidFill>
+                  <a:srgbClr val="404040"/>
+                </a:solidFill>
+              </a:rPr>
+              <a:t>()</a:t>
+            </a:r>
+          </a:p>
+          <a:p>
+            <a:pPr marL="1257300" lvl="2" indent="-342900">
               <a:buFont typeface="Arial" panose="020B0604020202020204" pitchFamily="34" charset="0"/>
               <a:buChar char="•"/>
             </a:pPr>
@@ -12398,6 +12502,20 @@
             </a:endParaRPr>
           </a:p>
           <a:p>
+            <a:pPr marL="800100" lvl="1" indent="-342900">
+              <a:buFont typeface="Arial" panose="020B0604020202020204" pitchFamily="34" charset="0"/>
+              <a:buChar char="•"/>
+            </a:pPr>
+            <a:r>
+              <a:rPr lang="en-US" dirty="0">
+                <a:solidFill>
+                  <a:srgbClr val="404040"/>
+                </a:solidFill>
+              </a:rPr>
+              <a:t>Additional Problem in Population Variable</a:t>
+            </a:r>
+          </a:p>
+          <a:p>
             <a:pPr marL="342900" indent="-342900">
               <a:buFont typeface="Arial" panose="020B0604020202020204" pitchFamily="34" charset="0"/>
               <a:buChar char="•"/>
@@ -12423,53 +12541,32 @@
             </a:r>
           </a:p>
           <a:p>
-            <a:pPr marL="342900" indent="-342900">
+            <a:pPr marL="800100" lvl="1" indent="-342900">
               <a:buFont typeface="Arial" panose="020B0604020202020204" pitchFamily="34" charset="0"/>
               <a:buChar char="•"/>
             </a:pPr>
-            <a:endParaRPr lang="en-US" dirty="0">
-              <a:solidFill>
-                <a:srgbClr val="404040"/>
-              </a:solidFill>
-            </a:endParaRPr>
-          </a:p>
-          <a:p>
-            <a:pPr marL="342900" indent="-342900">
+            <a:r>
+              <a:rPr lang="en-US" dirty="0">
+                <a:solidFill>
+                  <a:srgbClr val="404040"/>
+                </a:solidFill>
+              </a:rPr>
+              <a:t>City Variable Has Problems</a:t>
+            </a:r>
+          </a:p>
+          <a:p>
+            <a:pPr marL="800100" lvl="1" indent="-342900">
               <a:buFont typeface="Arial" panose="020B0604020202020204" pitchFamily="34" charset="0"/>
               <a:buChar char="•"/>
             </a:pPr>
-            <a:endParaRPr lang="en-US" dirty="0">
-              <a:solidFill>
-                <a:srgbClr val="404040"/>
-              </a:solidFill>
-            </a:endParaRPr>
-          </a:p>
-          <a:p>
-            <a:pPr marL="342900" indent="-342900">
-              <a:buFont typeface="Arial" panose="020B0604020202020204" pitchFamily="34" charset="0"/>
-              <a:buChar char="•"/>
-            </a:pPr>
             <a:r>
               <a:rPr lang="en-US" dirty="0">
                 <a:solidFill>
                   <a:srgbClr val="404040"/>
                 </a:solidFill>
               </a:rPr>
-              <a:t>Step 8: </a:t>
-            </a:r>
-            <a:r>
-              <a:rPr lang="en-US">
-                <a:solidFill>
-                  <a:srgbClr val="404040"/>
-                </a:solidFill>
-              </a:rPr>
-              <a:t>Knit Document</a:t>
-            </a:r>
-            <a:endParaRPr lang="en-US" dirty="0">
-              <a:solidFill>
-                <a:srgbClr val="404040"/>
-              </a:solidFill>
-            </a:endParaRPr>
+              <a:t>Why Do We Care?</a:t>
+            </a:r>
           </a:p>
         </p:txBody>
       </p:sp>
@@ -12490,6 +12587,2851 @@
 </file>
 
 <file path=ppt/slides/slide12.xml><?xml version="1.0" encoding="utf-8"?>
+<p:sld xmlns:a="http://schemas.openxmlformats.org/drawingml/2006/main" xmlns:r="http://schemas.openxmlformats.org/officeDocument/2006/relationships" xmlns:p="http://schemas.openxmlformats.org/presentationml/2006/main">
+  <p:cSld>
+    <p:bg>
+      <p:bgPr>
+        <a:solidFill>
+          <a:schemeClr val="bg1">
+            <a:lumMod val="85000"/>
+          </a:schemeClr>
+        </a:solidFill>
+        <a:effectLst/>
+      </p:bgPr>
+    </p:bg>
+    <p:spTree>
+      <p:nvGrpSpPr>
+        <p:cNvPr id="1" name=""/>
+        <p:cNvGrpSpPr/>
+        <p:nvPr/>
+      </p:nvGrpSpPr>
+      <p:grpSpPr>
+        <a:xfrm>
+          <a:off x="0" y="0"/>
+          <a:ext cx="0" cy="0"/>
+          <a:chOff x="0" y="0"/>
+          <a:chExt cx="0" cy="0"/>
+        </a:xfrm>
+      </p:grpSpPr>
+      <p:sp>
+        <p:nvSpPr>
+          <p:cNvPr id="15" name="Rectangle 12">
+            <a:extLst>
+              <a:ext uri="{FF2B5EF4-FFF2-40B4-BE49-F238E27FC236}">
+                <a16:creationId xmlns:a16="http://schemas.microsoft.com/office/drawing/2014/main" id="{867D4867-5BA7-4462-B2F6-A23F4A622AA7}"/>
+              </a:ext>
+              <a:ext uri="{C183D7F6-B498-43B3-948B-1728B52AA6E4}">
+                <adec:decorative xmlns:adec="http://schemas.microsoft.com/office/drawing/2017/decorative" val="1"/>
+              </a:ext>
+            </a:extLst>
+          </p:cNvPr>
+          <p:cNvSpPr>
+            <a:spLocks noGrp="1" noRot="1" noChangeAspect="1" noMove="1" noResize="1" noEditPoints="1" noAdjustHandles="1" noChangeArrowheads="1" noChangeShapeType="1" noTextEdit="1"/>
+          </p:cNvSpPr>
+          <p:nvPr>
+            <p:extLst>
+              <p:ext uri="{386F3935-93C4-4BCD-93E2-E3B085C9AB24}">
+                <p16:designElem xmlns:p16="http://schemas.microsoft.com/office/powerpoint/2015/main" val="1"/>
+              </p:ext>
+            </p:extLst>
+          </p:nvPr>
+        </p:nvSpPr>
+        <p:spPr>
+          <a:xfrm>
+            <a:off x="0" y="0"/>
+            <a:ext cx="3490722" cy="6858000"/>
+          </a:xfrm>
+          <a:prstGeom prst="rect">
+            <a:avLst/>
+          </a:prstGeom>
+          <a:solidFill>
+            <a:schemeClr val="tx1">
+              <a:lumMod val="75000"/>
+              <a:lumOff val="25000"/>
+            </a:schemeClr>
+          </a:solidFill>
+          <a:ln>
+            <a:noFill/>
+          </a:ln>
+        </p:spPr>
+        <p:style>
+          <a:lnRef idx="0">
+            <a:scrgbClr r="0" g="0" b="0"/>
+          </a:lnRef>
+          <a:fillRef idx="0">
+            <a:scrgbClr r="0" g="0" b="0"/>
+          </a:fillRef>
+          <a:effectRef idx="0">
+            <a:scrgbClr r="0" g="0" b="0"/>
+          </a:effectRef>
+          <a:fontRef idx="minor">
+            <a:schemeClr val="lt1"/>
+          </a:fontRef>
+        </p:style>
+        <p:txBody>
+          <a:bodyPr rtlCol="0" anchor="ctr"/>
+          <a:lstStyle/>
+          <a:p>
+            <a:pPr marL="0" marR="0" lvl="0" indent="0" algn="ctr" defTabSz="457200" rtl="0" eaLnBrk="1" fontAlgn="base" latinLnBrk="0" hangingPunct="1">
+              <a:lnSpc>
+                <a:spcPct val="100000"/>
+              </a:lnSpc>
+              <a:spcBef>
+                <a:spcPct val="0"/>
+              </a:spcBef>
+              <a:spcAft>
+                <a:spcPct val="0"/>
+              </a:spcAft>
+              <a:buClrTx/>
+              <a:buSzTx/>
+              <a:buFontTx/>
+              <a:buNone/>
+              <a:tabLst/>
+              <a:defRPr/>
+            </a:pPr>
+            <a:endParaRPr kumimoji="0" lang="en-US" sz="2400" b="0" i="0" u="none" strike="noStrike" kern="1200" cap="none" spc="0" normalizeH="0" baseline="0" noProof="0">
+              <a:ln>
+                <a:noFill/>
+              </a:ln>
+              <a:solidFill>
+                <a:prstClr val="white"/>
+              </a:solidFill>
+              <a:effectLst/>
+              <a:uLnTx/>
+              <a:uFillTx/>
+              <a:latin typeface="Calibri"/>
+              <a:ea typeface="+mn-ea"/>
+              <a:cs typeface="+mn-cs"/>
+            </a:endParaRPr>
+          </a:p>
+        </p:txBody>
+      </p:sp>
+      <p:sp>
+        <p:nvSpPr>
+          <p:cNvPr id="2" name="Title 1"/>
+          <p:cNvSpPr>
+            <a:spLocks noGrp="1"/>
+          </p:cNvSpPr>
+          <p:nvPr>
+            <p:ph type="title"/>
+          </p:nvPr>
+        </p:nvSpPr>
+        <p:spPr>
+          <a:xfrm>
+            <a:off x="482600" y="643467"/>
+            <a:ext cx="2522980" cy="1597315"/>
+          </a:xfrm>
+          <a:noFill/>
+          <a:ln w="19050">
+            <a:solidFill>
+              <a:schemeClr val="bg1"/>
+            </a:solidFill>
+          </a:ln>
+        </p:spPr>
+        <p:txBody>
+          <a:bodyPr vert="horz" wrap="square" lIns="91440" tIns="45720" rIns="91440" bIns="45720" rtlCol="0" anchor="ctr">
+            <a:normAutofit/>
+          </a:bodyPr>
+          <a:lstStyle/>
+          <a:p>
+            <a:pPr defTabSz="914400" eaLnBrk="1" hangingPunct="1">
+              <a:lnSpc>
+                <a:spcPct val="90000"/>
+              </a:lnSpc>
+            </a:pPr>
+            <a:r>
+              <a:rPr lang="en-US" sz="2400" dirty="0">
+                <a:solidFill>
+                  <a:schemeClr val="bg1"/>
+                </a:solidFill>
+                <a:ea typeface="+mj-ea"/>
+                <a:cs typeface="+mj-cs"/>
+              </a:rPr>
+              <a:t>Part 1:</a:t>
+            </a:r>
+            <a:r>
+              <a:rPr lang="en-US" sz="2400" kern="1200" dirty="0">
+                <a:solidFill>
+                  <a:schemeClr val="bg1"/>
+                </a:solidFill>
+                <a:latin typeface="+mj-lt"/>
+                <a:ea typeface="+mj-ea"/>
+                <a:cs typeface="+mj-cs"/>
+              </a:rPr>
+              <a:t> </a:t>
+            </a:r>
+            <a:br>
+              <a:rPr lang="en-US" sz="2400" kern="1200" dirty="0">
+                <a:solidFill>
+                  <a:schemeClr val="bg1"/>
+                </a:solidFill>
+                <a:latin typeface="+mj-lt"/>
+                <a:ea typeface="+mj-ea"/>
+                <a:cs typeface="+mj-cs"/>
+              </a:rPr>
+            </a:br>
+            <a:r>
+              <a:rPr lang="en-US" sz="2400" kern="1200" dirty="0">
+                <a:solidFill>
+                  <a:schemeClr val="bg1"/>
+                </a:solidFill>
+                <a:latin typeface="+mj-lt"/>
+                <a:ea typeface="+mj-ea"/>
+                <a:cs typeface="+mj-cs"/>
+              </a:rPr>
+              <a:t>Violent Crimes</a:t>
+            </a:r>
+            <a:br>
+              <a:rPr lang="en-US" sz="2400" kern="1200" dirty="0">
+                <a:solidFill>
+                  <a:schemeClr val="bg1"/>
+                </a:solidFill>
+                <a:latin typeface="+mj-lt"/>
+                <a:ea typeface="+mj-ea"/>
+                <a:cs typeface="+mj-cs"/>
+              </a:rPr>
+            </a:br>
+            <a:r>
+              <a:rPr lang="en-US" sz="2400" kern="1200" dirty="0">
+                <a:solidFill>
+                  <a:schemeClr val="bg1"/>
+                </a:solidFill>
+                <a:latin typeface="+mj-lt"/>
+                <a:ea typeface="+mj-ea"/>
+                <a:cs typeface="+mj-cs"/>
+              </a:rPr>
+              <a:t> in US Cities</a:t>
+            </a:r>
+          </a:p>
+        </p:txBody>
+      </p:sp>
+      <p:pic>
+        <p:nvPicPr>
+          <p:cNvPr id="8" name="Picture 7">
+            <a:extLst>
+              <a:ext uri="{FF2B5EF4-FFF2-40B4-BE49-F238E27FC236}">
+                <a16:creationId xmlns:a16="http://schemas.microsoft.com/office/drawing/2014/main" id="{521D4292-9ECC-4DA5-8CC0-C561A0DA118E}"/>
+              </a:ext>
+            </a:extLst>
+          </p:cNvPr>
+          <p:cNvPicPr>
+            <a:picLocks noChangeAspect="1"/>
+          </p:cNvPicPr>
+          <p:nvPr/>
+        </p:nvPicPr>
+        <p:blipFill rotWithShape="1">
+          <a:blip r:embed="rId3"/>
+          <a:srcRect l="8000" r="9400"/>
+          <a:stretch/>
+        </p:blipFill>
+        <p:spPr>
+          <a:xfrm>
+            <a:off x="660103" y="3048000"/>
+            <a:ext cx="2167974" cy="2624666"/>
+          </a:xfrm>
+          <a:prstGeom prst="rect">
+            <a:avLst/>
+          </a:prstGeom>
+          <a:noFill/>
+        </p:spPr>
+      </p:pic>
+      <p:sp>
+        <p:nvSpPr>
+          <p:cNvPr id="6" name="TextBox 5">
+            <a:extLst>
+              <a:ext uri="{FF2B5EF4-FFF2-40B4-BE49-F238E27FC236}">
+                <a16:creationId xmlns:a16="http://schemas.microsoft.com/office/drawing/2014/main" id="{E58EF064-51FF-48A9-8810-E84BE6F6F09D}"/>
+              </a:ext>
+            </a:extLst>
+          </p:cNvPr>
+          <p:cNvSpPr txBox="1"/>
+          <p:nvPr/>
+        </p:nvSpPr>
+        <p:spPr>
+          <a:xfrm>
+            <a:off x="3810000" y="621916"/>
+            <a:ext cx="5105400" cy="3785652"/>
+          </a:xfrm>
+          <a:prstGeom prst="rect">
+            <a:avLst/>
+          </a:prstGeom>
+          <a:noFill/>
+          <a:ln>
+            <a:noFill/>
+          </a:ln>
+        </p:spPr>
+        <p:txBody>
+          <a:bodyPr wrap="square" rtlCol="0">
+            <a:spAutoFit/>
+          </a:bodyPr>
+          <a:lstStyle/>
+          <a:p>
+            <a:pPr marL="342900" indent="-342900">
+              <a:buFont typeface="Arial" panose="020B0604020202020204" pitchFamily="34" charset="0"/>
+              <a:buChar char="•"/>
+            </a:pPr>
+            <a:r>
+              <a:rPr lang="en-US" dirty="0">
+                <a:solidFill>
+                  <a:srgbClr val="404040"/>
+                </a:solidFill>
+              </a:rPr>
+              <a:t>Step 8: Run Chunk 5</a:t>
+            </a:r>
+          </a:p>
+          <a:p>
+            <a:pPr marL="800100" lvl="1" indent="-342900">
+              <a:buFont typeface="Arial" panose="020B0604020202020204" pitchFamily="34" charset="0"/>
+              <a:buChar char="•"/>
+            </a:pPr>
+            <a:endParaRPr lang="en-US" dirty="0">
+              <a:solidFill>
+                <a:srgbClr val="404040"/>
+              </a:solidFill>
+            </a:endParaRPr>
+          </a:p>
+          <a:p>
+            <a:pPr marL="800100" lvl="1" indent="-342900">
+              <a:buFont typeface="Arial" panose="020B0604020202020204" pitchFamily="34" charset="0"/>
+              <a:buChar char="•"/>
+            </a:pPr>
+            <a:r>
+              <a:rPr lang="en-US" dirty="0">
+                <a:solidFill>
+                  <a:srgbClr val="404040"/>
+                </a:solidFill>
+              </a:rPr>
+              <a:t>String Functions Used</a:t>
+            </a:r>
+          </a:p>
+          <a:p>
+            <a:pPr marL="1257300" lvl="2" indent="-342900">
+              <a:buFont typeface="Arial" panose="020B0604020202020204" pitchFamily="34" charset="0"/>
+              <a:buChar char="•"/>
+            </a:pPr>
+            <a:r>
+              <a:rPr lang="en-US" dirty="0" err="1">
+                <a:solidFill>
+                  <a:srgbClr val="404040"/>
+                </a:solidFill>
+              </a:rPr>
+              <a:t>str_replace_all</a:t>
+            </a:r>
+            <a:r>
+              <a:rPr lang="en-US" dirty="0">
+                <a:solidFill>
+                  <a:srgbClr val="404040"/>
+                </a:solidFill>
+              </a:rPr>
+              <a:t>()</a:t>
+            </a:r>
+          </a:p>
+          <a:p>
+            <a:pPr marL="1257300" lvl="2" indent="-342900">
+              <a:buFont typeface="Arial" panose="020B0604020202020204" pitchFamily="34" charset="0"/>
+              <a:buChar char="•"/>
+            </a:pPr>
+            <a:r>
+              <a:rPr lang="en-US" dirty="0" err="1">
+                <a:solidFill>
+                  <a:srgbClr val="404040"/>
+                </a:solidFill>
+              </a:rPr>
+              <a:t>str_replace</a:t>
+            </a:r>
+            <a:r>
+              <a:rPr lang="en-US" dirty="0">
+                <a:solidFill>
+                  <a:srgbClr val="404040"/>
+                </a:solidFill>
+              </a:rPr>
+              <a:t>()</a:t>
+            </a:r>
+          </a:p>
+          <a:p>
+            <a:pPr marL="1257300" lvl="2" indent="-342900">
+              <a:buFont typeface="Arial" panose="020B0604020202020204" pitchFamily="34" charset="0"/>
+              <a:buChar char="•"/>
+            </a:pPr>
+            <a:endParaRPr lang="en-US" dirty="0">
+              <a:solidFill>
+                <a:srgbClr val="404040"/>
+              </a:solidFill>
+            </a:endParaRPr>
+          </a:p>
+          <a:p>
+            <a:pPr marL="800100" lvl="1" indent="-342900">
+              <a:buFont typeface="Arial" panose="020B0604020202020204" pitchFamily="34" charset="0"/>
+              <a:buChar char="•"/>
+            </a:pPr>
+            <a:r>
+              <a:rPr lang="en-US" dirty="0">
+                <a:solidFill>
+                  <a:srgbClr val="404040"/>
+                </a:solidFill>
+              </a:rPr>
+              <a:t>Conditional Mutation</a:t>
+            </a:r>
+          </a:p>
+          <a:p>
+            <a:pPr marL="1257300" lvl="2" indent="-342900">
+              <a:buFont typeface="Arial" panose="020B0604020202020204" pitchFamily="34" charset="0"/>
+              <a:buChar char="•"/>
+            </a:pPr>
+            <a:r>
+              <a:rPr lang="en-US" dirty="0" err="1">
+                <a:solidFill>
+                  <a:srgbClr val="404040"/>
+                </a:solidFill>
+              </a:rPr>
+              <a:t>ifelse</a:t>
+            </a:r>
+            <a:r>
+              <a:rPr lang="en-US" dirty="0">
+                <a:solidFill>
+                  <a:srgbClr val="404040"/>
+                </a:solidFill>
+              </a:rPr>
+              <a:t>()</a:t>
+            </a:r>
+          </a:p>
+          <a:p>
+            <a:pPr marL="342900" indent="-342900">
+              <a:buFont typeface="Arial" panose="020B0604020202020204" pitchFamily="34" charset="0"/>
+              <a:buChar char="•"/>
+            </a:pPr>
+            <a:endParaRPr lang="en-US" dirty="0">
+              <a:solidFill>
+                <a:srgbClr val="404040"/>
+              </a:solidFill>
+            </a:endParaRPr>
+          </a:p>
+          <a:p>
+            <a:pPr marL="342900" indent="-342900">
+              <a:buFont typeface="Arial" panose="020B0604020202020204" pitchFamily="34" charset="0"/>
+              <a:buChar char="•"/>
+            </a:pPr>
+            <a:r>
+              <a:rPr lang="en-US" dirty="0">
+                <a:solidFill>
+                  <a:srgbClr val="404040"/>
+                </a:solidFill>
+              </a:rPr>
+              <a:t>Step 9: Base Knit</a:t>
+            </a:r>
+          </a:p>
+        </p:txBody>
+      </p:sp>
+    </p:spTree>
+    <p:custDataLst>
+      <p:tags r:id="rId1"/>
+    </p:custDataLst>
+    <p:extLst>
+      <p:ext uri="{BB962C8B-B14F-4D97-AF65-F5344CB8AC3E}">
+        <p14:creationId xmlns:p14="http://schemas.microsoft.com/office/powerpoint/2010/main" val="1386531728"/>
+      </p:ext>
+    </p:extLst>
+  </p:cSld>
+  <p:clrMapOvr>
+    <a:masterClrMapping/>
+  </p:clrMapOvr>
+</p:sld>
+</file>
+
+<file path=ppt/slides/slide13.xml><?xml version="1.0" encoding="utf-8"?>
+<p:sld xmlns:a="http://schemas.openxmlformats.org/drawingml/2006/main" xmlns:r="http://schemas.openxmlformats.org/officeDocument/2006/relationships" xmlns:p="http://schemas.openxmlformats.org/presentationml/2006/main">
+  <p:cSld>
+    <p:bg>
+      <p:bgPr>
+        <a:solidFill>
+          <a:schemeClr val="bg1">
+            <a:lumMod val="85000"/>
+          </a:schemeClr>
+        </a:solidFill>
+        <a:effectLst/>
+      </p:bgPr>
+    </p:bg>
+    <p:spTree>
+      <p:nvGrpSpPr>
+        <p:cNvPr id="1" name=""/>
+        <p:cNvGrpSpPr/>
+        <p:nvPr/>
+      </p:nvGrpSpPr>
+      <p:grpSpPr>
+        <a:xfrm>
+          <a:off x="0" y="0"/>
+          <a:ext cx="0" cy="0"/>
+          <a:chOff x="0" y="0"/>
+          <a:chExt cx="0" cy="0"/>
+        </a:xfrm>
+      </p:grpSpPr>
+      <p:sp>
+        <p:nvSpPr>
+          <p:cNvPr id="15" name="Rectangle 12">
+            <a:extLst>
+              <a:ext uri="{FF2B5EF4-FFF2-40B4-BE49-F238E27FC236}">
+                <a16:creationId xmlns:a16="http://schemas.microsoft.com/office/drawing/2014/main" id="{867D4867-5BA7-4462-B2F6-A23F4A622AA7}"/>
+              </a:ext>
+              <a:ext uri="{C183D7F6-B498-43B3-948B-1728B52AA6E4}">
+                <adec:decorative xmlns:adec="http://schemas.microsoft.com/office/drawing/2017/decorative" val="1"/>
+              </a:ext>
+            </a:extLst>
+          </p:cNvPr>
+          <p:cNvSpPr>
+            <a:spLocks noGrp="1" noRot="1" noChangeAspect="1" noMove="1" noResize="1" noEditPoints="1" noAdjustHandles="1" noChangeArrowheads="1" noChangeShapeType="1" noTextEdit="1"/>
+          </p:cNvSpPr>
+          <p:nvPr>
+            <p:extLst>
+              <p:ext uri="{386F3935-93C4-4BCD-93E2-E3B085C9AB24}">
+                <p16:designElem xmlns:p16="http://schemas.microsoft.com/office/powerpoint/2015/main" val="1"/>
+              </p:ext>
+            </p:extLst>
+          </p:nvPr>
+        </p:nvSpPr>
+        <p:spPr>
+          <a:xfrm>
+            <a:off x="0" y="0"/>
+            <a:ext cx="3490722" cy="6858000"/>
+          </a:xfrm>
+          <a:prstGeom prst="rect">
+            <a:avLst/>
+          </a:prstGeom>
+          <a:solidFill>
+            <a:schemeClr val="tx1">
+              <a:lumMod val="75000"/>
+              <a:lumOff val="25000"/>
+            </a:schemeClr>
+          </a:solidFill>
+          <a:ln>
+            <a:noFill/>
+          </a:ln>
+        </p:spPr>
+        <p:style>
+          <a:lnRef idx="0">
+            <a:scrgbClr r="0" g="0" b="0"/>
+          </a:lnRef>
+          <a:fillRef idx="0">
+            <a:scrgbClr r="0" g="0" b="0"/>
+          </a:fillRef>
+          <a:effectRef idx="0">
+            <a:scrgbClr r="0" g="0" b="0"/>
+          </a:effectRef>
+          <a:fontRef idx="minor">
+            <a:schemeClr val="lt1"/>
+          </a:fontRef>
+        </p:style>
+        <p:txBody>
+          <a:bodyPr rtlCol="0" anchor="ctr"/>
+          <a:lstStyle/>
+          <a:p>
+            <a:pPr marL="0" marR="0" lvl="0" indent="0" algn="ctr" defTabSz="457200" rtl="0" eaLnBrk="1" fontAlgn="base" latinLnBrk="0" hangingPunct="1">
+              <a:lnSpc>
+                <a:spcPct val="100000"/>
+              </a:lnSpc>
+              <a:spcBef>
+                <a:spcPct val="0"/>
+              </a:spcBef>
+              <a:spcAft>
+                <a:spcPct val="0"/>
+              </a:spcAft>
+              <a:buClrTx/>
+              <a:buSzTx/>
+              <a:buFontTx/>
+              <a:buNone/>
+              <a:tabLst/>
+              <a:defRPr/>
+            </a:pPr>
+            <a:endParaRPr kumimoji="0" lang="en-US" sz="2400" b="0" i="0" u="none" strike="noStrike" kern="1200" cap="none" spc="0" normalizeH="0" baseline="0" noProof="0">
+              <a:ln>
+                <a:noFill/>
+              </a:ln>
+              <a:solidFill>
+                <a:prstClr val="white"/>
+              </a:solidFill>
+              <a:effectLst/>
+              <a:uLnTx/>
+              <a:uFillTx/>
+              <a:latin typeface="Calibri"/>
+              <a:ea typeface="+mn-ea"/>
+              <a:cs typeface="+mn-cs"/>
+            </a:endParaRPr>
+          </a:p>
+        </p:txBody>
+      </p:sp>
+      <p:sp>
+        <p:nvSpPr>
+          <p:cNvPr id="2" name="Title 1"/>
+          <p:cNvSpPr>
+            <a:spLocks noGrp="1"/>
+          </p:cNvSpPr>
+          <p:nvPr>
+            <p:ph type="title"/>
+          </p:nvPr>
+        </p:nvSpPr>
+        <p:spPr>
+          <a:xfrm>
+            <a:off x="482600" y="643467"/>
+            <a:ext cx="2522980" cy="1597315"/>
+          </a:xfrm>
+          <a:noFill/>
+          <a:ln w="19050">
+            <a:solidFill>
+              <a:schemeClr val="bg1"/>
+            </a:solidFill>
+          </a:ln>
+        </p:spPr>
+        <p:txBody>
+          <a:bodyPr vert="horz" wrap="square" lIns="91440" tIns="45720" rIns="91440" bIns="45720" rtlCol="0" anchor="ctr">
+            <a:normAutofit/>
+          </a:bodyPr>
+          <a:lstStyle/>
+          <a:p>
+            <a:pPr defTabSz="914400" eaLnBrk="1" hangingPunct="1">
+              <a:lnSpc>
+                <a:spcPct val="90000"/>
+              </a:lnSpc>
+            </a:pPr>
+            <a:r>
+              <a:rPr lang="en-US" sz="2400" dirty="0">
+                <a:solidFill>
+                  <a:schemeClr val="bg1"/>
+                </a:solidFill>
+                <a:ea typeface="+mj-ea"/>
+                <a:cs typeface="+mj-cs"/>
+              </a:rPr>
+              <a:t>Part 2:</a:t>
+            </a:r>
+            <a:r>
+              <a:rPr lang="en-US" sz="2400" kern="1200" dirty="0">
+                <a:solidFill>
+                  <a:schemeClr val="bg1"/>
+                </a:solidFill>
+                <a:latin typeface="+mj-lt"/>
+                <a:ea typeface="+mj-ea"/>
+                <a:cs typeface="+mj-cs"/>
+              </a:rPr>
+              <a:t> </a:t>
+            </a:r>
+            <a:br>
+              <a:rPr lang="en-US" sz="2400" kern="1200" dirty="0">
+                <a:solidFill>
+                  <a:schemeClr val="bg1"/>
+                </a:solidFill>
+                <a:latin typeface="+mj-lt"/>
+                <a:ea typeface="+mj-ea"/>
+                <a:cs typeface="+mj-cs"/>
+              </a:rPr>
+            </a:br>
+            <a:r>
+              <a:rPr lang="en-US" sz="2400" kern="1200" dirty="0">
+                <a:solidFill>
+                  <a:schemeClr val="bg1"/>
+                </a:solidFill>
+                <a:latin typeface="+mj-lt"/>
+                <a:ea typeface="+mj-ea"/>
+                <a:cs typeface="+mj-cs"/>
+              </a:rPr>
+              <a:t>Geographical Locations of </a:t>
+            </a:r>
+            <a:br>
+              <a:rPr lang="en-US" sz="2400" kern="1200" dirty="0">
+                <a:solidFill>
+                  <a:schemeClr val="bg1"/>
+                </a:solidFill>
+                <a:latin typeface="+mj-lt"/>
+                <a:ea typeface="+mj-ea"/>
+                <a:cs typeface="+mj-cs"/>
+              </a:rPr>
+            </a:br>
+            <a:r>
+              <a:rPr lang="en-US" sz="2400" kern="1200" dirty="0">
+                <a:solidFill>
+                  <a:schemeClr val="bg1"/>
+                </a:solidFill>
+                <a:latin typeface="+mj-lt"/>
+                <a:ea typeface="+mj-ea"/>
+                <a:cs typeface="+mj-cs"/>
+              </a:rPr>
+              <a:t>US Cities</a:t>
+            </a:r>
+          </a:p>
+        </p:txBody>
+      </p:sp>
+      <p:pic>
+        <p:nvPicPr>
+          <p:cNvPr id="8" name="Picture 7">
+            <a:extLst>
+              <a:ext uri="{FF2B5EF4-FFF2-40B4-BE49-F238E27FC236}">
+                <a16:creationId xmlns:a16="http://schemas.microsoft.com/office/drawing/2014/main" id="{521D4292-9ECC-4DA5-8CC0-C561A0DA118E}"/>
+              </a:ext>
+            </a:extLst>
+          </p:cNvPr>
+          <p:cNvPicPr>
+            <a:picLocks noChangeAspect="1"/>
+          </p:cNvPicPr>
+          <p:nvPr/>
+        </p:nvPicPr>
+        <p:blipFill rotWithShape="1">
+          <a:blip r:embed="rId3"/>
+          <a:srcRect l="8000" r="9400"/>
+          <a:stretch/>
+        </p:blipFill>
+        <p:spPr>
+          <a:xfrm>
+            <a:off x="660103" y="3048000"/>
+            <a:ext cx="2167974" cy="2624666"/>
+          </a:xfrm>
+          <a:prstGeom prst="rect">
+            <a:avLst/>
+          </a:prstGeom>
+          <a:noFill/>
+        </p:spPr>
+      </p:pic>
+      <p:sp>
+        <p:nvSpPr>
+          <p:cNvPr id="6" name="TextBox 5">
+            <a:extLst>
+              <a:ext uri="{FF2B5EF4-FFF2-40B4-BE49-F238E27FC236}">
+                <a16:creationId xmlns:a16="http://schemas.microsoft.com/office/drawing/2014/main" id="{E58EF064-51FF-48A9-8810-E84BE6F6F09D}"/>
+              </a:ext>
+            </a:extLst>
+          </p:cNvPr>
+          <p:cNvSpPr txBox="1"/>
+          <p:nvPr/>
+        </p:nvSpPr>
+        <p:spPr>
+          <a:xfrm>
+            <a:off x="3810000" y="621916"/>
+            <a:ext cx="5105400" cy="5632311"/>
+          </a:xfrm>
+          <a:prstGeom prst="rect">
+            <a:avLst/>
+          </a:prstGeom>
+          <a:noFill/>
+          <a:ln>
+            <a:noFill/>
+          </a:ln>
+        </p:spPr>
+        <p:txBody>
+          <a:bodyPr wrap="square" rtlCol="0">
+            <a:spAutoFit/>
+          </a:bodyPr>
+          <a:lstStyle/>
+          <a:p>
+            <a:pPr marL="342900" indent="-342900">
+              <a:buFont typeface="Arial" panose="020B0604020202020204" pitchFamily="34" charset="0"/>
+              <a:buChar char="•"/>
+            </a:pPr>
+            <a:r>
+              <a:rPr lang="en-US" dirty="0">
+                <a:solidFill>
+                  <a:srgbClr val="404040"/>
+                </a:solidFill>
+              </a:rPr>
+              <a:t>Step 1: What Additional Information Would We Need to Plot Crime Information on a Map?</a:t>
+            </a:r>
+          </a:p>
+          <a:p>
+            <a:pPr marL="342900" indent="-342900">
+              <a:buFont typeface="Arial" panose="020B0604020202020204" pitchFamily="34" charset="0"/>
+              <a:buChar char="•"/>
+            </a:pPr>
+            <a:endParaRPr lang="en-US" dirty="0">
+              <a:solidFill>
+                <a:srgbClr val="404040"/>
+              </a:solidFill>
+            </a:endParaRPr>
+          </a:p>
+          <a:p>
+            <a:pPr marL="342900" indent="-342900">
+              <a:buFont typeface="Arial" panose="020B0604020202020204" pitchFamily="34" charset="0"/>
+              <a:buChar char="•"/>
+            </a:pPr>
+            <a:r>
+              <a:rPr lang="en-US" dirty="0">
+                <a:solidFill>
+                  <a:srgbClr val="404040"/>
+                </a:solidFill>
+              </a:rPr>
+              <a:t>Step 2: Run Chunk 1</a:t>
+            </a:r>
+          </a:p>
+          <a:p>
+            <a:pPr marL="342900" indent="-342900">
+              <a:buFont typeface="Arial" panose="020B0604020202020204" pitchFamily="34" charset="0"/>
+              <a:buChar char="•"/>
+            </a:pPr>
+            <a:endParaRPr lang="en-US" dirty="0">
+              <a:solidFill>
+                <a:srgbClr val="404040"/>
+              </a:solidFill>
+            </a:endParaRPr>
+          </a:p>
+          <a:p>
+            <a:pPr marL="800100" lvl="1" indent="-342900">
+              <a:buFont typeface="Arial" panose="020B0604020202020204" pitchFamily="34" charset="0"/>
+              <a:buChar char="•"/>
+            </a:pPr>
+            <a:r>
+              <a:rPr lang="en-US" dirty="0">
+                <a:solidFill>
+                  <a:srgbClr val="404040"/>
+                </a:solidFill>
+              </a:rPr>
+              <a:t>What Info is Important?</a:t>
+            </a:r>
+          </a:p>
+          <a:p>
+            <a:pPr marL="800100" lvl="1" indent="-342900">
+              <a:buFont typeface="Arial" panose="020B0604020202020204" pitchFamily="34" charset="0"/>
+              <a:buChar char="•"/>
+            </a:pPr>
+            <a:r>
+              <a:rPr lang="en-US" dirty="0">
+                <a:solidFill>
+                  <a:srgbClr val="404040"/>
+                </a:solidFill>
+              </a:rPr>
+              <a:t>What Do You Notice About the City Variable?</a:t>
+            </a:r>
+          </a:p>
+          <a:p>
+            <a:pPr marL="800100" lvl="1" indent="-342900">
+              <a:buFont typeface="Arial" panose="020B0604020202020204" pitchFamily="34" charset="0"/>
+              <a:buChar char="•"/>
+            </a:pPr>
+            <a:endParaRPr lang="en-US" dirty="0">
+              <a:solidFill>
+                <a:srgbClr val="404040"/>
+              </a:solidFill>
+            </a:endParaRPr>
+          </a:p>
+          <a:p>
+            <a:pPr marL="342900" indent="-342900">
+              <a:buFont typeface="Arial" panose="020B0604020202020204" pitchFamily="34" charset="0"/>
+              <a:buChar char="•"/>
+            </a:pPr>
+            <a:r>
+              <a:rPr lang="en-US" dirty="0">
+                <a:solidFill>
+                  <a:srgbClr val="404040"/>
+                </a:solidFill>
+              </a:rPr>
+              <a:t>Step 3: Run Chunk 2</a:t>
+            </a:r>
+          </a:p>
+          <a:p>
+            <a:pPr marL="342900" indent="-342900">
+              <a:buFont typeface="Arial" panose="020B0604020202020204" pitchFamily="34" charset="0"/>
+              <a:buChar char="•"/>
+            </a:pPr>
+            <a:endParaRPr lang="en-US" dirty="0">
+              <a:solidFill>
+                <a:srgbClr val="404040"/>
+              </a:solidFill>
+            </a:endParaRPr>
+          </a:p>
+          <a:p>
+            <a:pPr marL="800100" lvl="1" indent="-342900">
+              <a:buFont typeface="Arial" panose="020B0604020202020204" pitchFamily="34" charset="0"/>
+              <a:buChar char="•"/>
+            </a:pPr>
+            <a:r>
+              <a:rPr lang="en-US" dirty="0">
+                <a:solidFill>
+                  <a:srgbClr val="404040"/>
+                </a:solidFill>
+              </a:rPr>
+              <a:t>Goal: Find the Average Latitude and Longitude for Each City and State</a:t>
+            </a:r>
+          </a:p>
+        </p:txBody>
+      </p:sp>
+    </p:spTree>
+    <p:custDataLst>
+      <p:tags r:id="rId1"/>
+    </p:custDataLst>
+    <p:extLst>
+      <p:ext uri="{BB962C8B-B14F-4D97-AF65-F5344CB8AC3E}">
+        <p14:creationId xmlns:p14="http://schemas.microsoft.com/office/powerpoint/2010/main" val="2442673480"/>
+      </p:ext>
+    </p:extLst>
+  </p:cSld>
+  <p:clrMapOvr>
+    <a:masterClrMapping/>
+  </p:clrMapOvr>
+</p:sld>
+</file>
+
+<file path=ppt/slides/slide14.xml><?xml version="1.0" encoding="utf-8"?>
+<p:sld xmlns:a="http://schemas.openxmlformats.org/drawingml/2006/main" xmlns:r="http://schemas.openxmlformats.org/officeDocument/2006/relationships" xmlns:p="http://schemas.openxmlformats.org/presentationml/2006/main">
+  <p:cSld>
+    <p:bg>
+      <p:bgPr>
+        <a:solidFill>
+          <a:schemeClr val="bg1">
+            <a:lumMod val="85000"/>
+          </a:schemeClr>
+        </a:solidFill>
+        <a:effectLst/>
+      </p:bgPr>
+    </p:bg>
+    <p:spTree>
+      <p:nvGrpSpPr>
+        <p:cNvPr id="1" name=""/>
+        <p:cNvGrpSpPr/>
+        <p:nvPr/>
+      </p:nvGrpSpPr>
+      <p:grpSpPr>
+        <a:xfrm>
+          <a:off x="0" y="0"/>
+          <a:ext cx="0" cy="0"/>
+          <a:chOff x="0" y="0"/>
+          <a:chExt cx="0" cy="0"/>
+        </a:xfrm>
+      </p:grpSpPr>
+      <p:sp>
+        <p:nvSpPr>
+          <p:cNvPr id="15" name="Rectangle 12">
+            <a:extLst>
+              <a:ext uri="{FF2B5EF4-FFF2-40B4-BE49-F238E27FC236}">
+                <a16:creationId xmlns:a16="http://schemas.microsoft.com/office/drawing/2014/main" id="{867D4867-5BA7-4462-B2F6-A23F4A622AA7}"/>
+              </a:ext>
+              <a:ext uri="{C183D7F6-B498-43B3-948B-1728B52AA6E4}">
+                <adec:decorative xmlns:adec="http://schemas.microsoft.com/office/drawing/2017/decorative" val="1"/>
+              </a:ext>
+            </a:extLst>
+          </p:cNvPr>
+          <p:cNvSpPr>
+            <a:spLocks noGrp="1" noRot="1" noChangeAspect="1" noMove="1" noResize="1" noEditPoints="1" noAdjustHandles="1" noChangeArrowheads="1" noChangeShapeType="1" noTextEdit="1"/>
+          </p:cNvSpPr>
+          <p:nvPr>
+            <p:extLst>
+              <p:ext uri="{386F3935-93C4-4BCD-93E2-E3B085C9AB24}">
+                <p16:designElem xmlns:p16="http://schemas.microsoft.com/office/powerpoint/2015/main" val="1"/>
+              </p:ext>
+            </p:extLst>
+          </p:nvPr>
+        </p:nvSpPr>
+        <p:spPr>
+          <a:xfrm>
+            <a:off x="0" y="0"/>
+            <a:ext cx="3490722" cy="6858000"/>
+          </a:xfrm>
+          <a:prstGeom prst="rect">
+            <a:avLst/>
+          </a:prstGeom>
+          <a:solidFill>
+            <a:schemeClr val="tx1">
+              <a:lumMod val="75000"/>
+              <a:lumOff val="25000"/>
+            </a:schemeClr>
+          </a:solidFill>
+          <a:ln>
+            <a:noFill/>
+          </a:ln>
+        </p:spPr>
+        <p:style>
+          <a:lnRef idx="0">
+            <a:scrgbClr r="0" g="0" b="0"/>
+          </a:lnRef>
+          <a:fillRef idx="0">
+            <a:scrgbClr r="0" g="0" b="0"/>
+          </a:fillRef>
+          <a:effectRef idx="0">
+            <a:scrgbClr r="0" g="0" b="0"/>
+          </a:effectRef>
+          <a:fontRef idx="minor">
+            <a:schemeClr val="lt1"/>
+          </a:fontRef>
+        </p:style>
+        <p:txBody>
+          <a:bodyPr rtlCol="0" anchor="ctr"/>
+          <a:lstStyle/>
+          <a:p>
+            <a:pPr marL="0" marR="0" lvl="0" indent="0" algn="ctr" defTabSz="457200" rtl="0" eaLnBrk="1" fontAlgn="base" latinLnBrk="0" hangingPunct="1">
+              <a:lnSpc>
+                <a:spcPct val="100000"/>
+              </a:lnSpc>
+              <a:spcBef>
+                <a:spcPct val="0"/>
+              </a:spcBef>
+              <a:spcAft>
+                <a:spcPct val="0"/>
+              </a:spcAft>
+              <a:buClrTx/>
+              <a:buSzTx/>
+              <a:buFontTx/>
+              <a:buNone/>
+              <a:tabLst/>
+              <a:defRPr/>
+            </a:pPr>
+            <a:endParaRPr kumimoji="0" lang="en-US" sz="2400" b="0" i="0" u="none" strike="noStrike" kern="1200" cap="none" spc="0" normalizeH="0" baseline="0" noProof="0">
+              <a:ln>
+                <a:noFill/>
+              </a:ln>
+              <a:solidFill>
+                <a:prstClr val="white"/>
+              </a:solidFill>
+              <a:effectLst/>
+              <a:uLnTx/>
+              <a:uFillTx/>
+              <a:latin typeface="Calibri"/>
+              <a:ea typeface="+mn-ea"/>
+              <a:cs typeface="+mn-cs"/>
+            </a:endParaRPr>
+          </a:p>
+        </p:txBody>
+      </p:sp>
+      <p:sp>
+        <p:nvSpPr>
+          <p:cNvPr id="2" name="Title 1"/>
+          <p:cNvSpPr>
+            <a:spLocks noGrp="1"/>
+          </p:cNvSpPr>
+          <p:nvPr>
+            <p:ph type="title"/>
+          </p:nvPr>
+        </p:nvSpPr>
+        <p:spPr>
+          <a:xfrm>
+            <a:off x="482600" y="643467"/>
+            <a:ext cx="2522980" cy="1597315"/>
+          </a:xfrm>
+          <a:noFill/>
+          <a:ln w="19050">
+            <a:solidFill>
+              <a:schemeClr val="bg1"/>
+            </a:solidFill>
+          </a:ln>
+        </p:spPr>
+        <p:txBody>
+          <a:bodyPr vert="horz" wrap="square" lIns="91440" tIns="45720" rIns="91440" bIns="45720" rtlCol="0" anchor="ctr">
+            <a:normAutofit/>
+          </a:bodyPr>
+          <a:lstStyle/>
+          <a:p>
+            <a:pPr defTabSz="914400" eaLnBrk="1" hangingPunct="1">
+              <a:lnSpc>
+                <a:spcPct val="90000"/>
+              </a:lnSpc>
+            </a:pPr>
+            <a:r>
+              <a:rPr lang="en-US" sz="2400" dirty="0">
+                <a:solidFill>
+                  <a:schemeClr val="bg1"/>
+                </a:solidFill>
+                <a:ea typeface="+mj-ea"/>
+                <a:cs typeface="+mj-cs"/>
+              </a:rPr>
+              <a:t>Part 2:</a:t>
+            </a:r>
+            <a:r>
+              <a:rPr lang="en-US" sz="2400" kern="1200" dirty="0">
+                <a:solidFill>
+                  <a:schemeClr val="bg1"/>
+                </a:solidFill>
+                <a:latin typeface="+mj-lt"/>
+                <a:ea typeface="+mj-ea"/>
+                <a:cs typeface="+mj-cs"/>
+              </a:rPr>
+              <a:t> </a:t>
+            </a:r>
+            <a:br>
+              <a:rPr lang="en-US" sz="2400" kern="1200" dirty="0">
+                <a:solidFill>
+                  <a:schemeClr val="bg1"/>
+                </a:solidFill>
+                <a:latin typeface="+mj-lt"/>
+                <a:ea typeface="+mj-ea"/>
+                <a:cs typeface="+mj-cs"/>
+              </a:rPr>
+            </a:br>
+            <a:r>
+              <a:rPr lang="en-US" sz="2400" kern="1200" dirty="0">
+                <a:solidFill>
+                  <a:schemeClr val="bg1"/>
+                </a:solidFill>
+                <a:latin typeface="+mj-lt"/>
+                <a:ea typeface="+mj-ea"/>
+                <a:cs typeface="+mj-cs"/>
+              </a:rPr>
+              <a:t>Geographical Locations of </a:t>
+            </a:r>
+            <a:br>
+              <a:rPr lang="en-US" sz="2400" kern="1200" dirty="0">
+                <a:solidFill>
+                  <a:schemeClr val="bg1"/>
+                </a:solidFill>
+                <a:latin typeface="+mj-lt"/>
+                <a:ea typeface="+mj-ea"/>
+                <a:cs typeface="+mj-cs"/>
+              </a:rPr>
+            </a:br>
+            <a:r>
+              <a:rPr lang="en-US" sz="2400" kern="1200" dirty="0">
+                <a:solidFill>
+                  <a:schemeClr val="bg1"/>
+                </a:solidFill>
+                <a:latin typeface="+mj-lt"/>
+                <a:ea typeface="+mj-ea"/>
+                <a:cs typeface="+mj-cs"/>
+              </a:rPr>
+              <a:t>US Cities</a:t>
+            </a:r>
+          </a:p>
+        </p:txBody>
+      </p:sp>
+      <p:pic>
+        <p:nvPicPr>
+          <p:cNvPr id="8" name="Picture 7">
+            <a:extLst>
+              <a:ext uri="{FF2B5EF4-FFF2-40B4-BE49-F238E27FC236}">
+                <a16:creationId xmlns:a16="http://schemas.microsoft.com/office/drawing/2014/main" id="{521D4292-9ECC-4DA5-8CC0-C561A0DA118E}"/>
+              </a:ext>
+            </a:extLst>
+          </p:cNvPr>
+          <p:cNvPicPr>
+            <a:picLocks noChangeAspect="1"/>
+          </p:cNvPicPr>
+          <p:nvPr/>
+        </p:nvPicPr>
+        <p:blipFill rotWithShape="1">
+          <a:blip r:embed="rId3"/>
+          <a:srcRect l="8000" r="9400"/>
+          <a:stretch/>
+        </p:blipFill>
+        <p:spPr>
+          <a:xfrm>
+            <a:off x="660103" y="3048000"/>
+            <a:ext cx="2167974" cy="2624666"/>
+          </a:xfrm>
+          <a:prstGeom prst="rect">
+            <a:avLst/>
+          </a:prstGeom>
+          <a:noFill/>
+        </p:spPr>
+      </p:pic>
+      <p:sp>
+        <p:nvSpPr>
+          <p:cNvPr id="6" name="TextBox 5">
+            <a:extLst>
+              <a:ext uri="{FF2B5EF4-FFF2-40B4-BE49-F238E27FC236}">
+                <a16:creationId xmlns:a16="http://schemas.microsoft.com/office/drawing/2014/main" id="{E58EF064-51FF-48A9-8810-E84BE6F6F09D}"/>
+              </a:ext>
+            </a:extLst>
+          </p:cNvPr>
+          <p:cNvSpPr txBox="1"/>
+          <p:nvPr/>
+        </p:nvSpPr>
+        <p:spPr>
+          <a:xfrm>
+            <a:off x="3810000" y="621916"/>
+            <a:ext cx="5105400" cy="5632311"/>
+          </a:xfrm>
+          <a:prstGeom prst="rect">
+            <a:avLst/>
+          </a:prstGeom>
+          <a:noFill/>
+          <a:ln>
+            <a:noFill/>
+          </a:ln>
+        </p:spPr>
+        <p:txBody>
+          <a:bodyPr wrap="square" rtlCol="0">
+            <a:spAutoFit/>
+          </a:bodyPr>
+          <a:lstStyle/>
+          <a:p>
+            <a:pPr marL="342900" indent="-342900">
+              <a:buFont typeface="Arial" panose="020B0604020202020204" pitchFamily="34" charset="0"/>
+              <a:buChar char="•"/>
+            </a:pPr>
+            <a:r>
+              <a:rPr lang="en-US" dirty="0">
+                <a:solidFill>
+                  <a:srgbClr val="404040"/>
+                </a:solidFill>
+              </a:rPr>
+              <a:t>Step 4: Run Chunk 3</a:t>
+            </a:r>
+          </a:p>
+          <a:p>
+            <a:pPr marL="342900" indent="-342900">
+              <a:buFont typeface="Arial" panose="020B0604020202020204" pitchFamily="34" charset="0"/>
+              <a:buChar char="•"/>
+            </a:pPr>
+            <a:endParaRPr lang="en-US" dirty="0">
+              <a:solidFill>
+                <a:srgbClr val="404040"/>
+              </a:solidFill>
+            </a:endParaRPr>
+          </a:p>
+          <a:p>
+            <a:pPr marL="800100" lvl="1" indent="-342900">
+              <a:buFont typeface="Arial" panose="020B0604020202020204" pitchFamily="34" charset="0"/>
+              <a:buChar char="•"/>
+            </a:pPr>
+            <a:r>
+              <a:rPr lang="en-US" dirty="0">
+                <a:solidFill>
+                  <a:srgbClr val="404040"/>
+                </a:solidFill>
+              </a:rPr>
+              <a:t>Examine the Output</a:t>
+            </a:r>
+          </a:p>
+          <a:p>
+            <a:pPr marL="800100" lvl="1" indent="-342900">
+              <a:buFont typeface="Arial" panose="020B0604020202020204" pitchFamily="34" charset="0"/>
+              <a:buChar char="•"/>
+            </a:pPr>
+            <a:r>
+              <a:rPr lang="en-US" dirty="0">
+                <a:solidFill>
+                  <a:srgbClr val="404040"/>
+                </a:solidFill>
+              </a:rPr>
+              <a:t>Notice </a:t>
+            </a:r>
+            <a:r>
+              <a:rPr lang="en-US" dirty="0" err="1">
+                <a:solidFill>
+                  <a:srgbClr val="404040"/>
+                </a:solidFill>
+              </a:rPr>
+              <a:t>Aaronsburg</a:t>
+            </a:r>
+            <a:r>
+              <a:rPr lang="en-US" dirty="0">
+                <a:solidFill>
+                  <a:srgbClr val="404040"/>
+                </a:solidFill>
+              </a:rPr>
+              <a:t>, PA</a:t>
+            </a:r>
+          </a:p>
+          <a:p>
+            <a:pPr marL="800100" lvl="1" indent="-342900">
+              <a:buFont typeface="Arial" panose="020B0604020202020204" pitchFamily="34" charset="0"/>
+              <a:buChar char="•"/>
+            </a:pPr>
+            <a:endParaRPr lang="en-US" dirty="0">
+              <a:solidFill>
+                <a:srgbClr val="404040"/>
+              </a:solidFill>
+            </a:endParaRPr>
+          </a:p>
+          <a:p>
+            <a:pPr marL="800100" lvl="1" indent="-342900">
+              <a:buFont typeface="Arial" panose="020B0604020202020204" pitchFamily="34" charset="0"/>
+              <a:buChar char="•"/>
+            </a:pPr>
+            <a:endParaRPr lang="en-US" dirty="0">
+              <a:solidFill>
+                <a:srgbClr val="404040"/>
+              </a:solidFill>
+            </a:endParaRPr>
+          </a:p>
+          <a:p>
+            <a:pPr marL="800100" lvl="1" indent="-342900">
+              <a:buFont typeface="Arial" panose="020B0604020202020204" pitchFamily="34" charset="0"/>
+              <a:buChar char="•"/>
+            </a:pPr>
+            <a:endParaRPr lang="en-US" dirty="0">
+              <a:solidFill>
+                <a:srgbClr val="404040"/>
+              </a:solidFill>
+            </a:endParaRPr>
+          </a:p>
+          <a:p>
+            <a:pPr marL="800100" lvl="1" indent="-342900">
+              <a:buFont typeface="Arial" panose="020B0604020202020204" pitchFamily="34" charset="0"/>
+              <a:buChar char="•"/>
+            </a:pPr>
+            <a:endParaRPr lang="en-US" dirty="0">
+              <a:solidFill>
+                <a:srgbClr val="404040"/>
+              </a:solidFill>
+            </a:endParaRPr>
+          </a:p>
+          <a:p>
+            <a:pPr lvl="1"/>
+            <a:endParaRPr lang="en-US" dirty="0">
+              <a:solidFill>
+                <a:srgbClr val="404040"/>
+              </a:solidFill>
+            </a:endParaRPr>
+          </a:p>
+          <a:p>
+            <a:pPr marL="800100" lvl="1" indent="-342900">
+              <a:buFont typeface="Arial" panose="020B0604020202020204" pitchFamily="34" charset="0"/>
+              <a:buChar char="•"/>
+            </a:pPr>
+            <a:r>
+              <a:rPr lang="en-US" dirty="0">
+                <a:solidFill>
+                  <a:srgbClr val="404040"/>
+                </a:solidFill>
+              </a:rPr>
+              <a:t>Are We Ready to Merge?</a:t>
+            </a:r>
+          </a:p>
+          <a:p>
+            <a:pPr marL="1257300" lvl="2" indent="-342900">
+              <a:buFont typeface="Arial" panose="020B0604020202020204" pitchFamily="34" charset="0"/>
+              <a:buChar char="•"/>
+            </a:pPr>
+            <a:endParaRPr lang="en-US" dirty="0">
+              <a:solidFill>
+                <a:srgbClr val="404040"/>
+              </a:solidFill>
+            </a:endParaRPr>
+          </a:p>
+          <a:p>
+            <a:pPr marL="1257300" lvl="2" indent="-342900">
+              <a:buFont typeface="Arial" panose="020B0604020202020204" pitchFamily="34" charset="0"/>
+              <a:buChar char="•"/>
+            </a:pPr>
+            <a:r>
+              <a:rPr lang="en-US" dirty="0">
+                <a:solidFill>
+                  <a:srgbClr val="404040"/>
+                </a:solidFill>
+              </a:rPr>
+              <a:t>#No</a:t>
+            </a:r>
+          </a:p>
+          <a:p>
+            <a:pPr marL="1257300" lvl="2" indent="-342900">
+              <a:buFont typeface="Arial" panose="020B0604020202020204" pitchFamily="34" charset="0"/>
+              <a:buChar char="•"/>
+            </a:pPr>
+            <a:r>
+              <a:rPr lang="en-US" dirty="0">
+                <a:solidFill>
+                  <a:srgbClr val="404040"/>
+                </a:solidFill>
+              </a:rPr>
+              <a:t>#</a:t>
+            </a:r>
+            <a:r>
+              <a:rPr lang="en-US" dirty="0" err="1">
+                <a:solidFill>
+                  <a:srgbClr val="404040"/>
+                </a:solidFill>
+              </a:rPr>
+              <a:t>WhyNot</a:t>
+            </a:r>
+            <a:endParaRPr lang="en-US" dirty="0">
+              <a:solidFill>
+                <a:srgbClr val="404040"/>
+              </a:solidFill>
+            </a:endParaRPr>
+          </a:p>
+          <a:p>
+            <a:pPr marL="342900" indent="-342900">
+              <a:buFont typeface="Arial" panose="020B0604020202020204" pitchFamily="34" charset="0"/>
+              <a:buChar char="•"/>
+            </a:pPr>
+            <a:endParaRPr lang="en-US" dirty="0">
+              <a:solidFill>
+                <a:srgbClr val="404040"/>
+              </a:solidFill>
+            </a:endParaRPr>
+          </a:p>
+          <a:p>
+            <a:pPr marL="342900" indent="-342900">
+              <a:buFont typeface="Arial" panose="020B0604020202020204" pitchFamily="34" charset="0"/>
+              <a:buChar char="•"/>
+            </a:pPr>
+            <a:r>
+              <a:rPr lang="en-US" dirty="0">
+                <a:solidFill>
+                  <a:srgbClr val="404040"/>
+                </a:solidFill>
+              </a:rPr>
+              <a:t>Step 5: Pinch Knit</a:t>
+            </a:r>
+          </a:p>
+        </p:txBody>
+      </p:sp>
+      <p:pic>
+        <p:nvPicPr>
+          <p:cNvPr id="3" name="Picture 2">
+            <a:extLst>
+              <a:ext uri="{FF2B5EF4-FFF2-40B4-BE49-F238E27FC236}">
+                <a16:creationId xmlns:a16="http://schemas.microsoft.com/office/drawing/2014/main" id="{8A612AD8-3BEE-42E1-BB45-16CED5B9E5FD}"/>
+              </a:ext>
+            </a:extLst>
+          </p:cNvPr>
+          <p:cNvPicPr>
+            <a:picLocks noChangeAspect="1"/>
+          </p:cNvPicPr>
+          <p:nvPr/>
+        </p:nvPicPr>
+        <p:blipFill>
+          <a:blip r:embed="rId4"/>
+          <a:stretch>
+            <a:fillRect/>
+          </a:stretch>
+        </p:blipFill>
+        <p:spPr>
+          <a:xfrm>
+            <a:off x="3962400" y="2261992"/>
+            <a:ext cx="4800600" cy="1550404"/>
+          </a:xfrm>
+          <a:prstGeom prst="rect">
+            <a:avLst/>
+          </a:prstGeom>
+          <a:ln>
+            <a:solidFill>
+              <a:srgbClr val="404040"/>
+            </a:solidFill>
+          </a:ln>
+        </p:spPr>
+        <p:style>
+          <a:lnRef idx="2">
+            <a:schemeClr val="dk1"/>
+          </a:lnRef>
+          <a:fillRef idx="1">
+            <a:schemeClr val="lt1"/>
+          </a:fillRef>
+          <a:effectRef idx="0">
+            <a:schemeClr val="dk1"/>
+          </a:effectRef>
+          <a:fontRef idx="minor">
+            <a:schemeClr val="dk1"/>
+          </a:fontRef>
+        </p:style>
+      </p:pic>
+    </p:spTree>
+    <p:custDataLst>
+      <p:tags r:id="rId1"/>
+    </p:custDataLst>
+    <p:extLst>
+      <p:ext uri="{BB962C8B-B14F-4D97-AF65-F5344CB8AC3E}">
+        <p14:creationId xmlns:p14="http://schemas.microsoft.com/office/powerpoint/2010/main" val="1976067825"/>
+      </p:ext>
+    </p:extLst>
+  </p:cSld>
+  <p:clrMapOvr>
+    <a:masterClrMapping/>
+  </p:clrMapOvr>
+</p:sld>
+</file>
+
+<file path=ppt/slides/slide15.xml><?xml version="1.0" encoding="utf-8"?>
+<p:sld xmlns:a="http://schemas.openxmlformats.org/drawingml/2006/main" xmlns:r="http://schemas.openxmlformats.org/officeDocument/2006/relationships" xmlns:p="http://schemas.openxmlformats.org/presentationml/2006/main">
+  <p:cSld>
+    <p:bg>
+      <p:bgPr>
+        <a:solidFill>
+          <a:schemeClr val="bg1">
+            <a:lumMod val="85000"/>
+          </a:schemeClr>
+        </a:solidFill>
+        <a:effectLst/>
+      </p:bgPr>
+    </p:bg>
+    <p:spTree>
+      <p:nvGrpSpPr>
+        <p:cNvPr id="1" name=""/>
+        <p:cNvGrpSpPr/>
+        <p:nvPr/>
+      </p:nvGrpSpPr>
+      <p:grpSpPr>
+        <a:xfrm>
+          <a:off x="0" y="0"/>
+          <a:ext cx="0" cy="0"/>
+          <a:chOff x="0" y="0"/>
+          <a:chExt cx="0" cy="0"/>
+        </a:xfrm>
+      </p:grpSpPr>
+      <p:sp>
+        <p:nvSpPr>
+          <p:cNvPr id="15" name="Rectangle 12">
+            <a:extLst>
+              <a:ext uri="{FF2B5EF4-FFF2-40B4-BE49-F238E27FC236}">
+                <a16:creationId xmlns:a16="http://schemas.microsoft.com/office/drawing/2014/main" id="{867D4867-5BA7-4462-B2F6-A23F4A622AA7}"/>
+              </a:ext>
+              <a:ext uri="{C183D7F6-B498-43B3-948B-1728B52AA6E4}">
+                <adec:decorative xmlns:adec="http://schemas.microsoft.com/office/drawing/2017/decorative" val="1"/>
+              </a:ext>
+            </a:extLst>
+          </p:cNvPr>
+          <p:cNvSpPr>
+            <a:spLocks noGrp="1" noRot="1" noChangeAspect="1" noMove="1" noResize="1" noEditPoints="1" noAdjustHandles="1" noChangeArrowheads="1" noChangeShapeType="1" noTextEdit="1"/>
+          </p:cNvSpPr>
+          <p:nvPr>
+            <p:extLst>
+              <p:ext uri="{386F3935-93C4-4BCD-93E2-E3B085C9AB24}">
+                <p16:designElem xmlns:p16="http://schemas.microsoft.com/office/powerpoint/2015/main" val="1"/>
+              </p:ext>
+            </p:extLst>
+          </p:nvPr>
+        </p:nvSpPr>
+        <p:spPr>
+          <a:xfrm>
+            <a:off x="0" y="0"/>
+            <a:ext cx="3490722" cy="6858000"/>
+          </a:xfrm>
+          <a:prstGeom prst="rect">
+            <a:avLst/>
+          </a:prstGeom>
+          <a:solidFill>
+            <a:schemeClr val="tx1">
+              <a:lumMod val="75000"/>
+              <a:lumOff val="25000"/>
+            </a:schemeClr>
+          </a:solidFill>
+          <a:ln>
+            <a:noFill/>
+          </a:ln>
+        </p:spPr>
+        <p:style>
+          <a:lnRef idx="0">
+            <a:scrgbClr r="0" g="0" b="0"/>
+          </a:lnRef>
+          <a:fillRef idx="0">
+            <a:scrgbClr r="0" g="0" b="0"/>
+          </a:fillRef>
+          <a:effectRef idx="0">
+            <a:scrgbClr r="0" g="0" b="0"/>
+          </a:effectRef>
+          <a:fontRef idx="minor">
+            <a:schemeClr val="lt1"/>
+          </a:fontRef>
+        </p:style>
+        <p:txBody>
+          <a:bodyPr rtlCol="0" anchor="ctr"/>
+          <a:lstStyle/>
+          <a:p>
+            <a:pPr marL="0" marR="0" lvl="0" indent="0" algn="ctr" defTabSz="457200" rtl="0" eaLnBrk="1" fontAlgn="base" latinLnBrk="0" hangingPunct="1">
+              <a:lnSpc>
+                <a:spcPct val="100000"/>
+              </a:lnSpc>
+              <a:spcBef>
+                <a:spcPct val="0"/>
+              </a:spcBef>
+              <a:spcAft>
+                <a:spcPct val="0"/>
+              </a:spcAft>
+              <a:buClrTx/>
+              <a:buSzTx/>
+              <a:buFontTx/>
+              <a:buNone/>
+              <a:tabLst/>
+              <a:defRPr/>
+            </a:pPr>
+            <a:endParaRPr kumimoji="0" lang="en-US" sz="2400" b="0" i="0" u="none" strike="noStrike" kern="1200" cap="none" spc="0" normalizeH="0" baseline="0" noProof="0">
+              <a:ln>
+                <a:noFill/>
+              </a:ln>
+              <a:solidFill>
+                <a:prstClr val="white"/>
+              </a:solidFill>
+              <a:effectLst/>
+              <a:uLnTx/>
+              <a:uFillTx/>
+              <a:latin typeface="Calibri"/>
+              <a:ea typeface="+mn-ea"/>
+              <a:cs typeface="+mn-cs"/>
+            </a:endParaRPr>
+          </a:p>
+        </p:txBody>
+      </p:sp>
+      <p:sp>
+        <p:nvSpPr>
+          <p:cNvPr id="2" name="Title 1"/>
+          <p:cNvSpPr>
+            <a:spLocks noGrp="1"/>
+          </p:cNvSpPr>
+          <p:nvPr>
+            <p:ph type="title"/>
+          </p:nvPr>
+        </p:nvSpPr>
+        <p:spPr>
+          <a:xfrm>
+            <a:off x="482600" y="643467"/>
+            <a:ext cx="2522980" cy="1597315"/>
+          </a:xfrm>
+          <a:noFill/>
+          <a:ln w="19050">
+            <a:solidFill>
+              <a:schemeClr val="bg1"/>
+            </a:solidFill>
+          </a:ln>
+        </p:spPr>
+        <p:txBody>
+          <a:bodyPr vert="horz" wrap="square" lIns="91440" tIns="45720" rIns="91440" bIns="45720" rtlCol="0" anchor="ctr">
+            <a:normAutofit/>
+          </a:bodyPr>
+          <a:lstStyle/>
+          <a:p>
+            <a:pPr defTabSz="914400" eaLnBrk="1" hangingPunct="1">
+              <a:lnSpc>
+                <a:spcPct val="90000"/>
+              </a:lnSpc>
+            </a:pPr>
+            <a:r>
+              <a:rPr lang="en-US" sz="2400" dirty="0">
+                <a:solidFill>
+                  <a:schemeClr val="bg1"/>
+                </a:solidFill>
+                <a:ea typeface="+mj-ea"/>
+                <a:cs typeface="+mj-cs"/>
+              </a:rPr>
+              <a:t>Part 3:</a:t>
+            </a:r>
+            <a:r>
+              <a:rPr lang="en-US" sz="2400" kern="1200" dirty="0">
+                <a:solidFill>
+                  <a:schemeClr val="bg1"/>
+                </a:solidFill>
+                <a:latin typeface="+mj-lt"/>
+                <a:ea typeface="+mj-ea"/>
+                <a:cs typeface="+mj-cs"/>
+              </a:rPr>
+              <a:t> </a:t>
+            </a:r>
+            <a:br>
+              <a:rPr lang="en-US" sz="2400" kern="1200" dirty="0">
+                <a:solidFill>
+                  <a:schemeClr val="bg1"/>
+                </a:solidFill>
+                <a:latin typeface="+mj-lt"/>
+                <a:ea typeface="+mj-ea"/>
+                <a:cs typeface="+mj-cs"/>
+              </a:rPr>
+            </a:br>
+            <a:r>
+              <a:rPr lang="en-US" sz="2400" kern="1200" dirty="0">
+                <a:solidFill>
+                  <a:schemeClr val="bg1"/>
+                </a:solidFill>
+                <a:latin typeface="+mj-lt"/>
+                <a:ea typeface="+mj-ea"/>
+                <a:cs typeface="+mj-cs"/>
+              </a:rPr>
+              <a:t>Linking State Names to State Abbreviations</a:t>
+            </a:r>
+          </a:p>
+        </p:txBody>
+      </p:sp>
+      <p:pic>
+        <p:nvPicPr>
+          <p:cNvPr id="8" name="Picture 7">
+            <a:extLst>
+              <a:ext uri="{FF2B5EF4-FFF2-40B4-BE49-F238E27FC236}">
+                <a16:creationId xmlns:a16="http://schemas.microsoft.com/office/drawing/2014/main" id="{521D4292-9ECC-4DA5-8CC0-C561A0DA118E}"/>
+              </a:ext>
+            </a:extLst>
+          </p:cNvPr>
+          <p:cNvPicPr>
+            <a:picLocks noChangeAspect="1"/>
+          </p:cNvPicPr>
+          <p:nvPr/>
+        </p:nvPicPr>
+        <p:blipFill rotWithShape="1">
+          <a:blip r:embed="rId3"/>
+          <a:srcRect l="8000" r="9400"/>
+          <a:stretch/>
+        </p:blipFill>
+        <p:spPr>
+          <a:xfrm>
+            <a:off x="660103" y="3048000"/>
+            <a:ext cx="2167974" cy="2624666"/>
+          </a:xfrm>
+          <a:prstGeom prst="rect">
+            <a:avLst/>
+          </a:prstGeom>
+          <a:noFill/>
+        </p:spPr>
+      </p:pic>
+      <p:sp>
+        <p:nvSpPr>
+          <p:cNvPr id="6" name="TextBox 5">
+            <a:extLst>
+              <a:ext uri="{FF2B5EF4-FFF2-40B4-BE49-F238E27FC236}">
+                <a16:creationId xmlns:a16="http://schemas.microsoft.com/office/drawing/2014/main" id="{E58EF064-51FF-48A9-8810-E84BE6F6F09D}"/>
+              </a:ext>
+            </a:extLst>
+          </p:cNvPr>
+          <p:cNvSpPr txBox="1"/>
+          <p:nvPr/>
+        </p:nvSpPr>
+        <p:spPr>
+          <a:xfrm>
+            <a:off x="3810000" y="621916"/>
+            <a:ext cx="5334000" cy="5262979"/>
+          </a:xfrm>
+          <a:prstGeom prst="rect">
+            <a:avLst/>
+          </a:prstGeom>
+          <a:noFill/>
+          <a:ln>
+            <a:noFill/>
+          </a:ln>
+        </p:spPr>
+        <p:txBody>
+          <a:bodyPr wrap="square" rtlCol="0">
+            <a:spAutoFit/>
+          </a:bodyPr>
+          <a:lstStyle/>
+          <a:p>
+            <a:pPr marL="342900" indent="-342900">
+              <a:buFont typeface="Arial" panose="020B0604020202020204" pitchFamily="34" charset="0"/>
+              <a:buChar char="•"/>
+            </a:pPr>
+            <a:r>
+              <a:rPr lang="en-US" dirty="0">
+                <a:solidFill>
+                  <a:srgbClr val="404040"/>
+                </a:solidFill>
+              </a:rPr>
+              <a:t>Step 1: Select Website Link</a:t>
+            </a:r>
+          </a:p>
+          <a:p>
+            <a:pPr marL="342900" indent="-342900">
+              <a:buFont typeface="Arial" panose="020B0604020202020204" pitchFamily="34" charset="0"/>
+              <a:buChar char="•"/>
+            </a:pPr>
+            <a:endParaRPr lang="en-US" dirty="0">
+              <a:solidFill>
+                <a:srgbClr val="404040"/>
+              </a:solidFill>
+            </a:endParaRPr>
+          </a:p>
+          <a:p>
+            <a:pPr marL="342900" indent="-342900">
+              <a:buFont typeface="Arial" panose="020B0604020202020204" pitchFamily="34" charset="0"/>
+              <a:buChar char="•"/>
+            </a:pPr>
+            <a:r>
+              <a:rPr lang="en-US" dirty="0">
+                <a:solidFill>
+                  <a:srgbClr val="404040"/>
+                </a:solidFill>
+              </a:rPr>
+              <a:t>Step 2: Examine the Table</a:t>
+            </a:r>
+          </a:p>
+          <a:p>
+            <a:pPr marL="342900" indent="-342900">
+              <a:buFont typeface="Arial" panose="020B0604020202020204" pitchFamily="34" charset="0"/>
+              <a:buChar char="•"/>
+            </a:pPr>
+            <a:endParaRPr lang="en-US" dirty="0">
+              <a:solidFill>
+                <a:srgbClr val="404040"/>
+              </a:solidFill>
+            </a:endParaRPr>
+          </a:p>
+          <a:p>
+            <a:pPr marL="342900" indent="-342900">
+              <a:buFont typeface="Arial" panose="020B0604020202020204" pitchFamily="34" charset="0"/>
+              <a:buChar char="•"/>
+            </a:pPr>
+            <a:endParaRPr lang="en-US" dirty="0">
+              <a:solidFill>
+                <a:srgbClr val="404040"/>
+              </a:solidFill>
+            </a:endParaRPr>
+          </a:p>
+          <a:p>
+            <a:pPr marL="342900" indent="-342900">
+              <a:buFont typeface="Arial" panose="020B0604020202020204" pitchFamily="34" charset="0"/>
+              <a:buChar char="•"/>
+            </a:pPr>
+            <a:endParaRPr lang="en-US" dirty="0">
+              <a:solidFill>
+                <a:srgbClr val="404040"/>
+              </a:solidFill>
+            </a:endParaRPr>
+          </a:p>
+          <a:p>
+            <a:pPr marL="342900" indent="-342900">
+              <a:buFont typeface="Arial" panose="020B0604020202020204" pitchFamily="34" charset="0"/>
+              <a:buChar char="•"/>
+            </a:pPr>
+            <a:endParaRPr lang="en-US" dirty="0">
+              <a:solidFill>
+                <a:srgbClr val="404040"/>
+              </a:solidFill>
+            </a:endParaRPr>
+          </a:p>
+          <a:p>
+            <a:pPr marL="342900" indent="-342900">
+              <a:buFont typeface="Arial" panose="020B0604020202020204" pitchFamily="34" charset="0"/>
+              <a:buChar char="•"/>
+            </a:pPr>
+            <a:endParaRPr lang="en-US" dirty="0">
+              <a:solidFill>
+                <a:srgbClr val="404040"/>
+              </a:solidFill>
+            </a:endParaRPr>
+          </a:p>
+          <a:p>
+            <a:pPr marL="342900" indent="-342900">
+              <a:buFont typeface="Arial" panose="020B0604020202020204" pitchFamily="34" charset="0"/>
+              <a:buChar char="•"/>
+            </a:pPr>
+            <a:endParaRPr lang="en-US" dirty="0">
+              <a:solidFill>
+                <a:srgbClr val="404040"/>
+              </a:solidFill>
+            </a:endParaRPr>
+          </a:p>
+          <a:p>
+            <a:pPr marL="342900" indent="-342900">
+              <a:buFont typeface="Arial" panose="020B0604020202020204" pitchFamily="34" charset="0"/>
+              <a:buChar char="•"/>
+            </a:pPr>
+            <a:endParaRPr lang="en-US" dirty="0">
+              <a:solidFill>
+                <a:srgbClr val="404040"/>
+              </a:solidFill>
+            </a:endParaRPr>
+          </a:p>
+          <a:p>
+            <a:pPr marL="342900" indent="-342900">
+              <a:buFont typeface="Arial" panose="020B0604020202020204" pitchFamily="34" charset="0"/>
+              <a:buChar char="•"/>
+            </a:pPr>
+            <a:r>
+              <a:rPr lang="en-US" dirty="0">
+                <a:solidFill>
+                  <a:srgbClr val="404040"/>
+                </a:solidFill>
+              </a:rPr>
+              <a:t>Step 3: What is the Issue with the Way this Information is Presented and How Does this Pose a Threat to Our Existence?</a:t>
+            </a:r>
+          </a:p>
+        </p:txBody>
+      </p:sp>
+      <p:pic>
+        <p:nvPicPr>
+          <p:cNvPr id="4" name="Picture 3">
+            <a:extLst>
+              <a:ext uri="{FF2B5EF4-FFF2-40B4-BE49-F238E27FC236}">
+                <a16:creationId xmlns:a16="http://schemas.microsoft.com/office/drawing/2014/main" id="{44409FF8-376B-48BB-AAA6-E5554BA9EB90}"/>
+              </a:ext>
+            </a:extLst>
+          </p:cNvPr>
+          <p:cNvPicPr>
+            <a:picLocks noChangeAspect="1"/>
+          </p:cNvPicPr>
+          <p:nvPr/>
+        </p:nvPicPr>
+        <p:blipFill>
+          <a:blip r:embed="rId4"/>
+          <a:stretch>
+            <a:fillRect/>
+          </a:stretch>
+        </p:blipFill>
+        <p:spPr>
+          <a:xfrm>
+            <a:off x="3583434" y="1843455"/>
+            <a:ext cx="5464982" cy="2042745"/>
+          </a:xfrm>
+          <a:prstGeom prst="rect">
+            <a:avLst/>
+          </a:prstGeom>
+          <a:ln>
+            <a:solidFill>
+              <a:srgbClr val="404040"/>
+            </a:solidFill>
+          </a:ln>
+        </p:spPr>
+        <p:style>
+          <a:lnRef idx="2">
+            <a:schemeClr val="dk1"/>
+          </a:lnRef>
+          <a:fillRef idx="1">
+            <a:schemeClr val="lt1"/>
+          </a:fillRef>
+          <a:effectRef idx="0">
+            <a:schemeClr val="dk1"/>
+          </a:effectRef>
+          <a:fontRef idx="minor">
+            <a:schemeClr val="dk1"/>
+          </a:fontRef>
+        </p:style>
+      </p:pic>
+    </p:spTree>
+    <p:custDataLst>
+      <p:tags r:id="rId1"/>
+    </p:custDataLst>
+    <p:extLst>
+      <p:ext uri="{BB962C8B-B14F-4D97-AF65-F5344CB8AC3E}">
+        <p14:creationId xmlns:p14="http://schemas.microsoft.com/office/powerpoint/2010/main" val="2715585608"/>
+      </p:ext>
+    </p:extLst>
+  </p:cSld>
+  <p:clrMapOvr>
+    <a:masterClrMapping/>
+  </p:clrMapOvr>
+</p:sld>
+</file>
+
+<file path=ppt/slides/slide16.xml><?xml version="1.0" encoding="utf-8"?>
+<p:sld xmlns:a="http://schemas.openxmlformats.org/drawingml/2006/main" xmlns:r="http://schemas.openxmlformats.org/officeDocument/2006/relationships" xmlns:p="http://schemas.openxmlformats.org/presentationml/2006/main">
+  <p:cSld>
+    <p:bg>
+      <p:bgPr>
+        <a:solidFill>
+          <a:schemeClr val="bg1">
+            <a:lumMod val="85000"/>
+          </a:schemeClr>
+        </a:solidFill>
+        <a:effectLst/>
+      </p:bgPr>
+    </p:bg>
+    <p:spTree>
+      <p:nvGrpSpPr>
+        <p:cNvPr id="1" name=""/>
+        <p:cNvGrpSpPr/>
+        <p:nvPr/>
+      </p:nvGrpSpPr>
+      <p:grpSpPr>
+        <a:xfrm>
+          <a:off x="0" y="0"/>
+          <a:ext cx="0" cy="0"/>
+          <a:chOff x="0" y="0"/>
+          <a:chExt cx="0" cy="0"/>
+        </a:xfrm>
+      </p:grpSpPr>
+      <p:sp>
+        <p:nvSpPr>
+          <p:cNvPr id="15" name="Rectangle 12">
+            <a:extLst>
+              <a:ext uri="{FF2B5EF4-FFF2-40B4-BE49-F238E27FC236}">
+                <a16:creationId xmlns:a16="http://schemas.microsoft.com/office/drawing/2014/main" id="{867D4867-5BA7-4462-B2F6-A23F4A622AA7}"/>
+              </a:ext>
+              <a:ext uri="{C183D7F6-B498-43B3-948B-1728B52AA6E4}">
+                <adec:decorative xmlns:adec="http://schemas.microsoft.com/office/drawing/2017/decorative" val="1"/>
+              </a:ext>
+            </a:extLst>
+          </p:cNvPr>
+          <p:cNvSpPr>
+            <a:spLocks noGrp="1" noRot="1" noChangeAspect="1" noMove="1" noResize="1" noEditPoints="1" noAdjustHandles="1" noChangeArrowheads="1" noChangeShapeType="1" noTextEdit="1"/>
+          </p:cNvSpPr>
+          <p:nvPr>
+            <p:extLst>
+              <p:ext uri="{386F3935-93C4-4BCD-93E2-E3B085C9AB24}">
+                <p16:designElem xmlns:p16="http://schemas.microsoft.com/office/powerpoint/2015/main" val="1"/>
+              </p:ext>
+            </p:extLst>
+          </p:nvPr>
+        </p:nvSpPr>
+        <p:spPr>
+          <a:xfrm>
+            <a:off x="0" y="0"/>
+            <a:ext cx="3490722" cy="6858000"/>
+          </a:xfrm>
+          <a:prstGeom prst="rect">
+            <a:avLst/>
+          </a:prstGeom>
+          <a:solidFill>
+            <a:schemeClr val="tx1">
+              <a:lumMod val="75000"/>
+              <a:lumOff val="25000"/>
+            </a:schemeClr>
+          </a:solidFill>
+          <a:ln>
+            <a:noFill/>
+          </a:ln>
+        </p:spPr>
+        <p:style>
+          <a:lnRef idx="0">
+            <a:scrgbClr r="0" g="0" b="0"/>
+          </a:lnRef>
+          <a:fillRef idx="0">
+            <a:scrgbClr r="0" g="0" b="0"/>
+          </a:fillRef>
+          <a:effectRef idx="0">
+            <a:scrgbClr r="0" g="0" b="0"/>
+          </a:effectRef>
+          <a:fontRef idx="minor">
+            <a:schemeClr val="lt1"/>
+          </a:fontRef>
+        </p:style>
+        <p:txBody>
+          <a:bodyPr rtlCol="0" anchor="ctr"/>
+          <a:lstStyle/>
+          <a:p>
+            <a:pPr marL="0" marR="0" lvl="0" indent="0" algn="ctr" defTabSz="457200" rtl="0" eaLnBrk="1" fontAlgn="base" latinLnBrk="0" hangingPunct="1">
+              <a:lnSpc>
+                <a:spcPct val="100000"/>
+              </a:lnSpc>
+              <a:spcBef>
+                <a:spcPct val="0"/>
+              </a:spcBef>
+              <a:spcAft>
+                <a:spcPct val="0"/>
+              </a:spcAft>
+              <a:buClrTx/>
+              <a:buSzTx/>
+              <a:buFontTx/>
+              <a:buNone/>
+              <a:tabLst/>
+              <a:defRPr/>
+            </a:pPr>
+            <a:endParaRPr kumimoji="0" lang="en-US" sz="2400" b="0" i="0" u="none" strike="noStrike" kern="1200" cap="none" spc="0" normalizeH="0" baseline="0" noProof="0">
+              <a:ln>
+                <a:noFill/>
+              </a:ln>
+              <a:solidFill>
+                <a:prstClr val="white"/>
+              </a:solidFill>
+              <a:effectLst/>
+              <a:uLnTx/>
+              <a:uFillTx/>
+              <a:latin typeface="Calibri"/>
+              <a:ea typeface="+mn-ea"/>
+              <a:cs typeface="+mn-cs"/>
+            </a:endParaRPr>
+          </a:p>
+        </p:txBody>
+      </p:sp>
+      <p:sp>
+        <p:nvSpPr>
+          <p:cNvPr id="2" name="Title 1"/>
+          <p:cNvSpPr>
+            <a:spLocks noGrp="1"/>
+          </p:cNvSpPr>
+          <p:nvPr>
+            <p:ph type="title"/>
+          </p:nvPr>
+        </p:nvSpPr>
+        <p:spPr>
+          <a:xfrm>
+            <a:off x="482600" y="643467"/>
+            <a:ext cx="2522980" cy="1597315"/>
+          </a:xfrm>
+          <a:noFill/>
+          <a:ln w="19050">
+            <a:solidFill>
+              <a:schemeClr val="bg1"/>
+            </a:solidFill>
+          </a:ln>
+        </p:spPr>
+        <p:txBody>
+          <a:bodyPr vert="horz" wrap="square" lIns="91440" tIns="45720" rIns="91440" bIns="45720" rtlCol="0" anchor="ctr">
+            <a:normAutofit/>
+          </a:bodyPr>
+          <a:lstStyle/>
+          <a:p>
+            <a:pPr defTabSz="914400" eaLnBrk="1" hangingPunct="1">
+              <a:lnSpc>
+                <a:spcPct val="90000"/>
+              </a:lnSpc>
+            </a:pPr>
+            <a:r>
+              <a:rPr lang="en-US" sz="2400" dirty="0">
+                <a:solidFill>
+                  <a:schemeClr val="bg1"/>
+                </a:solidFill>
+                <a:ea typeface="+mj-ea"/>
+                <a:cs typeface="+mj-cs"/>
+              </a:rPr>
+              <a:t>Part 3:</a:t>
+            </a:r>
+            <a:r>
+              <a:rPr lang="en-US" sz="2400" kern="1200" dirty="0">
+                <a:solidFill>
+                  <a:schemeClr val="bg1"/>
+                </a:solidFill>
+                <a:latin typeface="+mj-lt"/>
+                <a:ea typeface="+mj-ea"/>
+                <a:cs typeface="+mj-cs"/>
+              </a:rPr>
+              <a:t> </a:t>
+            </a:r>
+            <a:br>
+              <a:rPr lang="en-US" sz="2400" kern="1200" dirty="0">
+                <a:solidFill>
+                  <a:schemeClr val="bg1"/>
+                </a:solidFill>
+                <a:latin typeface="+mj-lt"/>
+                <a:ea typeface="+mj-ea"/>
+                <a:cs typeface="+mj-cs"/>
+              </a:rPr>
+            </a:br>
+            <a:r>
+              <a:rPr lang="en-US" sz="2400" kern="1200" dirty="0">
+                <a:solidFill>
+                  <a:schemeClr val="bg1"/>
+                </a:solidFill>
+                <a:latin typeface="+mj-lt"/>
+                <a:ea typeface="+mj-ea"/>
+                <a:cs typeface="+mj-cs"/>
+              </a:rPr>
+              <a:t>Linking State Names to State Abbreviations</a:t>
+            </a:r>
+          </a:p>
+        </p:txBody>
+      </p:sp>
+      <p:pic>
+        <p:nvPicPr>
+          <p:cNvPr id="8" name="Picture 7">
+            <a:extLst>
+              <a:ext uri="{FF2B5EF4-FFF2-40B4-BE49-F238E27FC236}">
+                <a16:creationId xmlns:a16="http://schemas.microsoft.com/office/drawing/2014/main" id="{521D4292-9ECC-4DA5-8CC0-C561A0DA118E}"/>
+              </a:ext>
+            </a:extLst>
+          </p:cNvPr>
+          <p:cNvPicPr>
+            <a:picLocks noChangeAspect="1"/>
+          </p:cNvPicPr>
+          <p:nvPr/>
+        </p:nvPicPr>
+        <p:blipFill rotWithShape="1">
+          <a:blip r:embed="rId3"/>
+          <a:srcRect l="8000" r="9400"/>
+          <a:stretch/>
+        </p:blipFill>
+        <p:spPr>
+          <a:xfrm>
+            <a:off x="660103" y="3048000"/>
+            <a:ext cx="2167974" cy="2624666"/>
+          </a:xfrm>
+          <a:prstGeom prst="rect">
+            <a:avLst/>
+          </a:prstGeom>
+          <a:noFill/>
+        </p:spPr>
+      </p:pic>
+      <p:sp>
+        <p:nvSpPr>
+          <p:cNvPr id="6" name="TextBox 5">
+            <a:extLst>
+              <a:ext uri="{FF2B5EF4-FFF2-40B4-BE49-F238E27FC236}">
+                <a16:creationId xmlns:a16="http://schemas.microsoft.com/office/drawing/2014/main" id="{E58EF064-51FF-48A9-8810-E84BE6F6F09D}"/>
+              </a:ext>
+            </a:extLst>
+          </p:cNvPr>
+          <p:cNvSpPr txBox="1"/>
+          <p:nvPr/>
+        </p:nvSpPr>
+        <p:spPr>
+          <a:xfrm>
+            <a:off x="3810000" y="621916"/>
+            <a:ext cx="5334000" cy="6001643"/>
+          </a:xfrm>
+          <a:prstGeom prst="rect">
+            <a:avLst/>
+          </a:prstGeom>
+          <a:noFill/>
+          <a:ln>
+            <a:noFill/>
+          </a:ln>
+        </p:spPr>
+        <p:txBody>
+          <a:bodyPr wrap="square" rtlCol="0">
+            <a:spAutoFit/>
+          </a:bodyPr>
+          <a:lstStyle/>
+          <a:p>
+            <a:pPr marL="342900" indent="-342900">
+              <a:buFont typeface="Arial" panose="020B0604020202020204" pitchFamily="34" charset="0"/>
+              <a:buChar char="•"/>
+            </a:pPr>
+            <a:r>
+              <a:rPr lang="en-US" dirty="0">
+                <a:solidFill>
+                  <a:srgbClr val="404040"/>
+                </a:solidFill>
+              </a:rPr>
+              <a:t>Step 4: Run Chunk 1</a:t>
+            </a:r>
+          </a:p>
+          <a:p>
+            <a:pPr marL="342900" indent="-342900">
+              <a:buFont typeface="Arial" panose="020B0604020202020204" pitchFamily="34" charset="0"/>
+              <a:buChar char="•"/>
+            </a:pPr>
+            <a:endParaRPr lang="en-US" dirty="0">
+              <a:solidFill>
+                <a:srgbClr val="404040"/>
+              </a:solidFill>
+            </a:endParaRPr>
+          </a:p>
+          <a:p>
+            <a:pPr marL="800100" lvl="1" indent="-342900">
+              <a:buFont typeface="Arial" panose="020B0604020202020204" pitchFamily="34" charset="0"/>
+              <a:buChar char="•"/>
+            </a:pPr>
+            <a:r>
+              <a:rPr lang="en-US" dirty="0">
+                <a:solidFill>
+                  <a:srgbClr val="404040"/>
+                </a:solidFill>
+              </a:rPr>
+              <a:t>Did You Get What You Expected?</a:t>
+            </a:r>
+          </a:p>
+          <a:p>
+            <a:pPr marL="800100" lvl="1" indent="-342900">
+              <a:buFont typeface="Arial" panose="020B0604020202020204" pitchFamily="34" charset="0"/>
+              <a:buChar char="•"/>
+            </a:pPr>
+            <a:r>
+              <a:rPr lang="en-US" dirty="0">
+                <a:solidFill>
+                  <a:srgbClr val="404040"/>
+                </a:solidFill>
+              </a:rPr>
+              <a:t>How Should We Fix This Data?</a:t>
+            </a:r>
+          </a:p>
+          <a:p>
+            <a:pPr marL="800100" lvl="1" indent="-342900">
+              <a:buFont typeface="Arial" panose="020B0604020202020204" pitchFamily="34" charset="0"/>
+              <a:buChar char="•"/>
+            </a:pPr>
+            <a:endParaRPr lang="en-US" dirty="0">
+              <a:solidFill>
+                <a:srgbClr val="404040"/>
+              </a:solidFill>
+            </a:endParaRPr>
+          </a:p>
+          <a:p>
+            <a:pPr marL="342900" indent="-342900">
+              <a:buFont typeface="Arial" panose="020B0604020202020204" pitchFamily="34" charset="0"/>
+              <a:buChar char="•"/>
+            </a:pPr>
+            <a:r>
+              <a:rPr lang="en-US" dirty="0">
+                <a:solidFill>
+                  <a:srgbClr val="404040"/>
+                </a:solidFill>
+              </a:rPr>
+              <a:t>Step 5: Run Chunk 2</a:t>
+            </a:r>
+          </a:p>
+          <a:p>
+            <a:pPr marL="800100" lvl="1" indent="-342900">
+              <a:buFont typeface="Arial" panose="020B0604020202020204" pitchFamily="34" charset="0"/>
+              <a:buChar char="•"/>
+            </a:pPr>
+            <a:endParaRPr lang="en-US" dirty="0">
+              <a:solidFill>
+                <a:srgbClr val="404040"/>
+              </a:solidFill>
+            </a:endParaRPr>
+          </a:p>
+          <a:p>
+            <a:pPr marL="800100" lvl="1" indent="-342900">
+              <a:buFont typeface="Arial" panose="020B0604020202020204" pitchFamily="34" charset="0"/>
+              <a:buChar char="•"/>
+            </a:pPr>
+            <a:r>
+              <a:rPr lang="en-US" dirty="0">
+                <a:solidFill>
+                  <a:srgbClr val="404040"/>
+                </a:solidFill>
+              </a:rPr>
+              <a:t>Stacking Datasets</a:t>
+            </a:r>
+          </a:p>
+          <a:p>
+            <a:pPr marL="1257300" lvl="2" indent="-342900">
+              <a:buFont typeface="Arial" panose="020B0604020202020204" pitchFamily="34" charset="0"/>
+              <a:buChar char="•"/>
+            </a:pPr>
+            <a:r>
+              <a:rPr lang="en-US" dirty="0">
+                <a:solidFill>
+                  <a:srgbClr val="404040"/>
+                </a:solidFill>
+              </a:rPr>
+              <a:t>Horizontally</a:t>
+            </a:r>
+          </a:p>
+          <a:p>
+            <a:pPr lvl="2"/>
+            <a:r>
+              <a:rPr lang="en-US" dirty="0">
+                <a:solidFill>
+                  <a:srgbClr val="404040"/>
+                </a:solidFill>
+              </a:rPr>
+              <a:t> </a:t>
+            </a:r>
+          </a:p>
+          <a:p>
+            <a:pPr lvl="2"/>
+            <a:endParaRPr lang="en-US" dirty="0">
+              <a:solidFill>
+                <a:srgbClr val="404040"/>
+              </a:solidFill>
+            </a:endParaRPr>
+          </a:p>
+          <a:p>
+            <a:pPr marL="1257300" lvl="2" indent="-342900">
+              <a:buFont typeface="Arial" panose="020B0604020202020204" pitchFamily="34" charset="0"/>
+              <a:buChar char="•"/>
+            </a:pPr>
+            <a:r>
+              <a:rPr lang="en-US" dirty="0">
+                <a:solidFill>
+                  <a:srgbClr val="404040"/>
+                </a:solidFill>
+              </a:rPr>
+              <a:t>Vertically</a:t>
+            </a:r>
+          </a:p>
+          <a:p>
+            <a:pPr marL="1257300" lvl="2" indent="-342900">
+              <a:buFont typeface="Arial" panose="020B0604020202020204" pitchFamily="34" charset="0"/>
+              <a:buChar char="•"/>
+            </a:pPr>
+            <a:endParaRPr lang="en-US" dirty="0">
+              <a:solidFill>
+                <a:srgbClr val="404040"/>
+              </a:solidFill>
+            </a:endParaRPr>
+          </a:p>
+          <a:p>
+            <a:pPr marL="1257300" lvl="2" indent="-342900">
+              <a:buFont typeface="Arial" panose="020B0604020202020204" pitchFamily="34" charset="0"/>
+              <a:buChar char="•"/>
+            </a:pPr>
+            <a:endParaRPr lang="en-US" dirty="0">
+              <a:solidFill>
+                <a:srgbClr val="404040"/>
+              </a:solidFill>
+            </a:endParaRPr>
+          </a:p>
+          <a:p>
+            <a:pPr marL="342900" indent="-342900">
+              <a:buFont typeface="Arial" panose="020B0604020202020204" pitchFamily="34" charset="0"/>
+              <a:buChar char="•"/>
+            </a:pPr>
+            <a:r>
+              <a:rPr lang="en-US" dirty="0">
+                <a:solidFill>
+                  <a:srgbClr val="404040"/>
+                </a:solidFill>
+              </a:rPr>
+              <a:t>Step 6: Knitting Streak</a:t>
+            </a:r>
+          </a:p>
+        </p:txBody>
+      </p:sp>
+      <p:sp>
+        <p:nvSpPr>
+          <p:cNvPr id="3" name="TextBox 2">
+            <a:extLst>
+              <a:ext uri="{FF2B5EF4-FFF2-40B4-BE49-F238E27FC236}">
+                <a16:creationId xmlns:a16="http://schemas.microsoft.com/office/drawing/2014/main" id="{4EADB65A-DBD6-4372-B9C0-E9345B551FF5}"/>
+              </a:ext>
+            </a:extLst>
+          </p:cNvPr>
+          <p:cNvSpPr txBox="1"/>
+          <p:nvPr/>
+        </p:nvSpPr>
+        <p:spPr>
+          <a:xfrm>
+            <a:off x="5181600" y="4371206"/>
+            <a:ext cx="1905000" cy="461665"/>
+          </a:xfrm>
+          <a:prstGeom prst="rect">
+            <a:avLst/>
+          </a:prstGeom>
+          <a:solidFill>
+            <a:srgbClr val="404040"/>
+          </a:solidFill>
+          <a:ln>
+            <a:noFill/>
+          </a:ln>
+        </p:spPr>
+        <p:txBody>
+          <a:bodyPr wrap="square" rtlCol="0">
+            <a:spAutoFit/>
+          </a:bodyPr>
+          <a:lstStyle/>
+          <a:p>
+            <a:r>
+              <a:rPr lang="en-US" dirty="0">
+                <a:solidFill>
+                  <a:schemeClr val="bg1"/>
+                </a:solidFill>
+              </a:rPr>
+              <a:t>&gt; </a:t>
+            </a:r>
+            <a:r>
+              <a:rPr lang="en-US" dirty="0" err="1">
+                <a:solidFill>
+                  <a:schemeClr val="bg1"/>
+                </a:solidFill>
+              </a:rPr>
+              <a:t>cbind</a:t>
+            </a:r>
+            <a:r>
+              <a:rPr lang="en-US" dirty="0">
+                <a:solidFill>
+                  <a:schemeClr val="bg1"/>
+                </a:solidFill>
+              </a:rPr>
+              <a:t>(</a:t>
+            </a:r>
+            <a:r>
+              <a:rPr lang="en-US" dirty="0" err="1">
+                <a:solidFill>
+                  <a:schemeClr val="bg1"/>
+                </a:solidFill>
+              </a:rPr>
+              <a:t>x,y</a:t>
+            </a:r>
+            <a:r>
+              <a:rPr lang="en-US" dirty="0">
+                <a:solidFill>
+                  <a:schemeClr val="bg1"/>
+                </a:solidFill>
+              </a:rPr>
+              <a:t>)</a:t>
+            </a:r>
+          </a:p>
+        </p:txBody>
+      </p:sp>
+      <p:sp>
+        <p:nvSpPr>
+          <p:cNvPr id="9" name="TextBox 8">
+            <a:extLst>
+              <a:ext uri="{FF2B5EF4-FFF2-40B4-BE49-F238E27FC236}">
+                <a16:creationId xmlns:a16="http://schemas.microsoft.com/office/drawing/2014/main" id="{2B2B3267-FE5E-4964-9F91-05A0898D5D76}"/>
+              </a:ext>
+            </a:extLst>
+          </p:cNvPr>
+          <p:cNvSpPr txBox="1"/>
+          <p:nvPr/>
+        </p:nvSpPr>
+        <p:spPr>
+          <a:xfrm>
+            <a:off x="5181600" y="5441833"/>
+            <a:ext cx="1905000" cy="461665"/>
+          </a:xfrm>
+          <a:prstGeom prst="rect">
+            <a:avLst/>
+          </a:prstGeom>
+          <a:solidFill>
+            <a:srgbClr val="404040"/>
+          </a:solidFill>
+          <a:ln>
+            <a:noFill/>
+          </a:ln>
+        </p:spPr>
+        <p:txBody>
+          <a:bodyPr wrap="square" rtlCol="0">
+            <a:spAutoFit/>
+          </a:bodyPr>
+          <a:lstStyle/>
+          <a:p>
+            <a:r>
+              <a:rPr lang="en-US" dirty="0">
+                <a:solidFill>
+                  <a:schemeClr val="bg1"/>
+                </a:solidFill>
+              </a:rPr>
+              <a:t>&gt; </a:t>
+            </a:r>
+            <a:r>
+              <a:rPr lang="en-US" dirty="0" err="1">
+                <a:solidFill>
+                  <a:schemeClr val="bg1"/>
+                </a:solidFill>
+              </a:rPr>
+              <a:t>rbind</a:t>
+            </a:r>
+            <a:r>
+              <a:rPr lang="en-US" dirty="0">
+                <a:solidFill>
+                  <a:schemeClr val="bg1"/>
+                </a:solidFill>
+              </a:rPr>
+              <a:t>(</a:t>
+            </a:r>
+            <a:r>
+              <a:rPr lang="en-US" dirty="0" err="1">
+                <a:solidFill>
+                  <a:schemeClr val="bg1"/>
+                </a:solidFill>
+              </a:rPr>
+              <a:t>x,y</a:t>
+            </a:r>
+            <a:r>
+              <a:rPr lang="en-US" dirty="0">
+                <a:solidFill>
+                  <a:schemeClr val="bg1"/>
+                </a:solidFill>
+              </a:rPr>
+              <a:t>)</a:t>
+            </a:r>
+          </a:p>
+        </p:txBody>
+      </p:sp>
+    </p:spTree>
+    <p:custDataLst>
+      <p:tags r:id="rId1"/>
+    </p:custDataLst>
+    <p:extLst>
+      <p:ext uri="{BB962C8B-B14F-4D97-AF65-F5344CB8AC3E}">
+        <p14:creationId xmlns:p14="http://schemas.microsoft.com/office/powerpoint/2010/main" val="3988635453"/>
+      </p:ext>
+    </p:extLst>
+  </p:cSld>
+  <p:clrMapOvr>
+    <a:masterClrMapping/>
+  </p:clrMapOvr>
+</p:sld>
+</file>
+
+<file path=ppt/slides/slide17.xml><?xml version="1.0" encoding="utf-8"?>
+<p:sld xmlns:a="http://schemas.openxmlformats.org/drawingml/2006/main" xmlns:r="http://schemas.openxmlformats.org/officeDocument/2006/relationships" xmlns:p="http://schemas.openxmlformats.org/presentationml/2006/main">
+  <p:cSld>
+    <p:bg>
+      <p:bgPr>
+        <a:solidFill>
+          <a:schemeClr val="bg1">
+            <a:lumMod val="85000"/>
+          </a:schemeClr>
+        </a:solidFill>
+        <a:effectLst/>
+      </p:bgPr>
+    </p:bg>
+    <p:spTree>
+      <p:nvGrpSpPr>
+        <p:cNvPr id="1" name=""/>
+        <p:cNvGrpSpPr/>
+        <p:nvPr/>
+      </p:nvGrpSpPr>
+      <p:grpSpPr>
+        <a:xfrm>
+          <a:off x="0" y="0"/>
+          <a:ext cx="0" cy="0"/>
+          <a:chOff x="0" y="0"/>
+          <a:chExt cx="0" cy="0"/>
+        </a:xfrm>
+      </p:grpSpPr>
+      <p:sp>
+        <p:nvSpPr>
+          <p:cNvPr id="15" name="Rectangle 12">
+            <a:extLst>
+              <a:ext uri="{FF2B5EF4-FFF2-40B4-BE49-F238E27FC236}">
+                <a16:creationId xmlns:a16="http://schemas.microsoft.com/office/drawing/2014/main" id="{867D4867-5BA7-4462-B2F6-A23F4A622AA7}"/>
+              </a:ext>
+              <a:ext uri="{C183D7F6-B498-43B3-948B-1728B52AA6E4}">
+                <adec:decorative xmlns:adec="http://schemas.microsoft.com/office/drawing/2017/decorative" val="1"/>
+              </a:ext>
+            </a:extLst>
+          </p:cNvPr>
+          <p:cNvSpPr>
+            <a:spLocks noGrp="1" noRot="1" noChangeAspect="1" noMove="1" noResize="1" noEditPoints="1" noAdjustHandles="1" noChangeArrowheads="1" noChangeShapeType="1" noTextEdit="1"/>
+          </p:cNvSpPr>
+          <p:nvPr>
+            <p:extLst>
+              <p:ext uri="{386F3935-93C4-4BCD-93E2-E3B085C9AB24}">
+                <p16:designElem xmlns:p16="http://schemas.microsoft.com/office/powerpoint/2015/main" val="1"/>
+              </p:ext>
+            </p:extLst>
+          </p:nvPr>
+        </p:nvSpPr>
+        <p:spPr>
+          <a:xfrm>
+            <a:off x="0" y="0"/>
+            <a:ext cx="3490722" cy="6858000"/>
+          </a:xfrm>
+          <a:prstGeom prst="rect">
+            <a:avLst/>
+          </a:prstGeom>
+          <a:solidFill>
+            <a:schemeClr val="tx1">
+              <a:lumMod val="75000"/>
+              <a:lumOff val="25000"/>
+            </a:schemeClr>
+          </a:solidFill>
+          <a:ln>
+            <a:noFill/>
+          </a:ln>
+        </p:spPr>
+        <p:style>
+          <a:lnRef idx="0">
+            <a:scrgbClr r="0" g="0" b="0"/>
+          </a:lnRef>
+          <a:fillRef idx="0">
+            <a:scrgbClr r="0" g="0" b="0"/>
+          </a:fillRef>
+          <a:effectRef idx="0">
+            <a:scrgbClr r="0" g="0" b="0"/>
+          </a:effectRef>
+          <a:fontRef idx="minor">
+            <a:schemeClr val="lt1"/>
+          </a:fontRef>
+        </p:style>
+        <p:txBody>
+          <a:bodyPr rtlCol="0" anchor="ctr"/>
+          <a:lstStyle/>
+          <a:p>
+            <a:pPr marL="0" marR="0" lvl="0" indent="0" algn="ctr" defTabSz="457200" rtl="0" eaLnBrk="1" fontAlgn="base" latinLnBrk="0" hangingPunct="1">
+              <a:lnSpc>
+                <a:spcPct val="100000"/>
+              </a:lnSpc>
+              <a:spcBef>
+                <a:spcPct val="0"/>
+              </a:spcBef>
+              <a:spcAft>
+                <a:spcPct val="0"/>
+              </a:spcAft>
+              <a:buClrTx/>
+              <a:buSzTx/>
+              <a:buFontTx/>
+              <a:buNone/>
+              <a:tabLst/>
+              <a:defRPr/>
+            </a:pPr>
+            <a:endParaRPr kumimoji="0" lang="en-US" sz="2400" b="0" i="0" u="none" strike="noStrike" kern="1200" cap="none" spc="0" normalizeH="0" baseline="0" noProof="0">
+              <a:ln>
+                <a:noFill/>
+              </a:ln>
+              <a:solidFill>
+                <a:prstClr val="white"/>
+              </a:solidFill>
+              <a:effectLst/>
+              <a:uLnTx/>
+              <a:uFillTx/>
+              <a:latin typeface="Calibri"/>
+              <a:ea typeface="+mn-ea"/>
+              <a:cs typeface="+mn-cs"/>
+            </a:endParaRPr>
+          </a:p>
+        </p:txBody>
+      </p:sp>
+      <p:sp>
+        <p:nvSpPr>
+          <p:cNvPr id="2" name="Title 1"/>
+          <p:cNvSpPr>
+            <a:spLocks noGrp="1"/>
+          </p:cNvSpPr>
+          <p:nvPr>
+            <p:ph type="title"/>
+          </p:nvPr>
+        </p:nvSpPr>
+        <p:spPr>
+          <a:xfrm>
+            <a:off x="482600" y="643467"/>
+            <a:ext cx="2522980" cy="1597315"/>
+          </a:xfrm>
+          <a:noFill/>
+          <a:ln w="19050">
+            <a:solidFill>
+              <a:schemeClr val="bg1"/>
+            </a:solidFill>
+          </a:ln>
+        </p:spPr>
+        <p:txBody>
+          <a:bodyPr vert="horz" wrap="square" lIns="91440" tIns="45720" rIns="91440" bIns="45720" rtlCol="0" anchor="ctr">
+            <a:normAutofit/>
+          </a:bodyPr>
+          <a:lstStyle/>
+          <a:p>
+            <a:pPr defTabSz="914400" eaLnBrk="1" hangingPunct="1">
+              <a:lnSpc>
+                <a:spcPct val="90000"/>
+              </a:lnSpc>
+            </a:pPr>
+            <a:r>
+              <a:rPr lang="en-US" sz="2400" dirty="0">
+                <a:solidFill>
+                  <a:schemeClr val="bg1"/>
+                </a:solidFill>
+                <a:ea typeface="+mj-ea"/>
+                <a:cs typeface="+mj-cs"/>
+              </a:rPr>
+              <a:t>Intermission</a:t>
+            </a:r>
+            <a:endParaRPr lang="en-US" sz="2400" kern="1200" dirty="0">
+              <a:solidFill>
+                <a:schemeClr val="bg1"/>
+              </a:solidFill>
+              <a:latin typeface="+mj-lt"/>
+              <a:ea typeface="+mj-ea"/>
+              <a:cs typeface="+mj-cs"/>
+            </a:endParaRPr>
+          </a:p>
+        </p:txBody>
+      </p:sp>
+      <p:pic>
+        <p:nvPicPr>
+          <p:cNvPr id="8" name="Picture 7">
+            <a:extLst>
+              <a:ext uri="{FF2B5EF4-FFF2-40B4-BE49-F238E27FC236}">
+                <a16:creationId xmlns:a16="http://schemas.microsoft.com/office/drawing/2014/main" id="{521D4292-9ECC-4DA5-8CC0-C561A0DA118E}"/>
+              </a:ext>
+            </a:extLst>
+          </p:cNvPr>
+          <p:cNvPicPr>
+            <a:picLocks noChangeAspect="1"/>
+          </p:cNvPicPr>
+          <p:nvPr/>
+        </p:nvPicPr>
+        <p:blipFill rotWithShape="1">
+          <a:blip r:embed="rId3"/>
+          <a:srcRect l="8000" r="9400"/>
+          <a:stretch/>
+        </p:blipFill>
+        <p:spPr>
+          <a:xfrm>
+            <a:off x="660103" y="3048000"/>
+            <a:ext cx="2167974" cy="2624666"/>
+          </a:xfrm>
+          <a:prstGeom prst="rect">
+            <a:avLst/>
+          </a:prstGeom>
+          <a:noFill/>
+        </p:spPr>
+      </p:pic>
+      <p:sp>
+        <p:nvSpPr>
+          <p:cNvPr id="6" name="TextBox 5">
+            <a:extLst>
+              <a:ext uri="{FF2B5EF4-FFF2-40B4-BE49-F238E27FC236}">
+                <a16:creationId xmlns:a16="http://schemas.microsoft.com/office/drawing/2014/main" id="{E58EF064-51FF-48A9-8810-E84BE6F6F09D}"/>
+              </a:ext>
+            </a:extLst>
+          </p:cNvPr>
+          <p:cNvSpPr txBox="1"/>
+          <p:nvPr/>
+        </p:nvSpPr>
+        <p:spPr>
+          <a:xfrm>
+            <a:off x="3810000" y="621916"/>
+            <a:ext cx="5334000" cy="5632311"/>
+          </a:xfrm>
+          <a:prstGeom prst="rect">
+            <a:avLst/>
+          </a:prstGeom>
+          <a:noFill/>
+          <a:ln>
+            <a:noFill/>
+          </a:ln>
+        </p:spPr>
+        <p:txBody>
+          <a:bodyPr wrap="square" rtlCol="0">
+            <a:spAutoFit/>
+          </a:bodyPr>
+          <a:lstStyle/>
+          <a:p>
+            <a:pPr marL="342900" indent="-342900">
+              <a:buFont typeface="Arial" panose="020B0604020202020204" pitchFamily="34" charset="0"/>
+              <a:buChar char="•"/>
+            </a:pPr>
+            <a:r>
+              <a:rPr lang="en-US" dirty="0">
+                <a:solidFill>
+                  <a:srgbClr val="404040"/>
+                </a:solidFill>
+              </a:rPr>
+              <a:t>Final 3 Data Frames Should All Be Saved to CSV’s</a:t>
+            </a:r>
+          </a:p>
+          <a:p>
+            <a:pPr marL="342900" indent="-342900">
+              <a:buFont typeface="Arial" panose="020B0604020202020204" pitchFamily="34" charset="0"/>
+              <a:buChar char="•"/>
+            </a:pPr>
+            <a:endParaRPr lang="en-US" dirty="0">
+              <a:solidFill>
+                <a:srgbClr val="404040"/>
+              </a:solidFill>
+            </a:endParaRPr>
+          </a:p>
+          <a:p>
+            <a:pPr marL="342900" indent="-342900">
+              <a:buFont typeface="Arial" panose="020B0604020202020204" pitchFamily="34" charset="0"/>
+              <a:buChar char="•"/>
+            </a:pPr>
+            <a:r>
+              <a:rPr lang="en-US" dirty="0">
+                <a:solidFill>
+                  <a:srgbClr val="404040"/>
+                </a:solidFill>
+              </a:rPr>
+              <a:t>We Will Begin the Last Half of This Tutorial By Loading in this Information</a:t>
+            </a:r>
+          </a:p>
+          <a:p>
+            <a:pPr marL="342900" indent="-342900">
+              <a:buFont typeface="Arial" panose="020B0604020202020204" pitchFamily="34" charset="0"/>
+              <a:buChar char="•"/>
+            </a:pPr>
+            <a:endParaRPr lang="en-US" dirty="0">
+              <a:solidFill>
+                <a:srgbClr val="404040"/>
+              </a:solidFill>
+            </a:endParaRPr>
+          </a:p>
+          <a:p>
+            <a:pPr marL="342900" indent="-342900">
+              <a:buFont typeface="Arial" panose="020B0604020202020204" pitchFamily="34" charset="0"/>
+              <a:buChar char="•"/>
+            </a:pPr>
+            <a:r>
+              <a:rPr lang="en-US" dirty="0">
+                <a:solidFill>
+                  <a:srgbClr val="404040"/>
+                </a:solidFill>
+              </a:rPr>
+              <a:t>Think About What Other City Information Could Potentially Be a Factor in Violent Crimes</a:t>
+            </a:r>
+          </a:p>
+          <a:p>
+            <a:pPr marL="342900" indent="-342900">
+              <a:buFont typeface="Arial" panose="020B0604020202020204" pitchFamily="34" charset="0"/>
+              <a:buChar char="•"/>
+            </a:pPr>
+            <a:endParaRPr lang="en-US" dirty="0">
+              <a:solidFill>
+                <a:srgbClr val="404040"/>
+              </a:solidFill>
+            </a:endParaRPr>
+          </a:p>
+          <a:p>
+            <a:pPr marL="342900" indent="-342900">
+              <a:buFont typeface="Arial" panose="020B0604020202020204" pitchFamily="34" charset="0"/>
+              <a:buChar char="•"/>
+            </a:pPr>
+            <a:r>
+              <a:rPr lang="en-US" dirty="0">
+                <a:solidFill>
+                  <a:srgbClr val="404040"/>
+                </a:solidFill>
+              </a:rPr>
+              <a:t>Think About What Other City Information Could Potentially Be Influenced by the Prevalence of Violent Crimes</a:t>
+            </a:r>
+          </a:p>
+        </p:txBody>
+      </p:sp>
+    </p:spTree>
+    <p:custDataLst>
+      <p:tags r:id="rId1"/>
+    </p:custDataLst>
+    <p:extLst>
+      <p:ext uri="{BB962C8B-B14F-4D97-AF65-F5344CB8AC3E}">
+        <p14:creationId xmlns:p14="http://schemas.microsoft.com/office/powerpoint/2010/main" val="2933634281"/>
+      </p:ext>
+    </p:extLst>
+  </p:cSld>
+  <p:clrMapOvr>
+    <a:masterClrMapping/>
+  </p:clrMapOvr>
+</p:sld>
+</file>
+
+<file path=ppt/slides/slide18.xml><?xml version="1.0" encoding="utf-8"?>
 <p:sld xmlns:a="http://schemas.openxmlformats.org/drawingml/2006/main" xmlns:r="http://schemas.openxmlformats.org/officeDocument/2006/relationships" xmlns:p="http://schemas.openxmlformats.org/presentationml/2006/main">
   <p:cSld>
     <p:bg>
@@ -15413,7 +18355,7 @@
         <p:spPr>
           <a:xfrm>
             <a:off x="3810000" y="621916"/>
-            <a:ext cx="5105400" cy="4524315"/>
+            <a:ext cx="5105400" cy="4893647"/>
           </a:xfrm>
           <a:prstGeom prst="rect">
             <a:avLst/>
@@ -15507,6 +18449,28 @@
               </a:rPr>
               <a:t>rvest</a:t>
             </a:r>
+            <a:r>
+              <a:rPr lang="en-US" dirty="0">
+                <a:solidFill>
+                  <a:srgbClr val="404040"/>
+                </a:solidFill>
+              </a:rPr>
+              <a:t> (Requires Internet)</a:t>
+            </a:r>
+          </a:p>
+          <a:p>
+            <a:pPr marL="800100" lvl="1" indent="-342900">
+              <a:buFont typeface="Arial" panose="020B0604020202020204" pitchFamily="34" charset="0"/>
+              <a:buChar char="•"/>
+            </a:pPr>
+            <a:r>
+              <a:rPr lang="en-US" dirty="0" err="1">
+                <a:solidFill>
+                  <a:srgbClr val="404040"/>
+                </a:solidFill>
+              </a:rPr>
+              <a:t>noncensus</a:t>
+            </a:r>
             <a:endParaRPr lang="en-US" dirty="0">
               <a:solidFill>
                 <a:srgbClr val="404040"/>
@@ -15525,21 +18489,7 @@
             </a:endParaRPr>
           </a:p>
           <a:p>
-            <a:pPr marL="342900" indent="-342900">
-              <a:buFont typeface="Arial" panose="020B0604020202020204" pitchFamily="34" charset="0"/>
-              <a:buChar char="•"/>
-            </a:pPr>
-            <a:r>
-              <a:rPr lang="en-US" dirty="0">
-                <a:solidFill>
-                  <a:srgbClr val="404040"/>
-                </a:solidFill>
-              </a:rPr>
-              <a:t>Step 3: Knit the Document to Ensure Everything Works</a:t>
-            </a:r>
-          </a:p>
-          <a:p>
-            <a:pPr marL="342900" indent="-342900">
+            <a:pPr marL="800100" lvl="1" indent="-342900">
               <a:buFont typeface="Arial" panose="020B0604020202020204" pitchFamily="34" charset="0"/>
               <a:buChar char="•"/>
             </a:pPr>
@@ -15560,46 +18510,28 @@
                   <a:srgbClr val="404040"/>
                 </a:solidFill>
               </a:rPr>
+              <a:t>Step 3: Knit and Run</a:t>
+            </a:r>
+          </a:p>
+          <a:p>
+            <a:endParaRPr lang="en-US" dirty="0">
+              <a:solidFill>
+                <a:srgbClr val="404040"/>
+              </a:solidFill>
+            </a:endParaRPr>
+          </a:p>
+          <a:p>
+            <a:pPr marL="342900" indent="-342900">
+              <a:buFont typeface="Arial" panose="020B0604020202020204" pitchFamily="34" charset="0"/>
+              <a:buChar char="•"/>
+            </a:pPr>
+            <a:r>
+              <a:rPr lang="en-US" dirty="0">
+                <a:solidFill>
+                  <a:srgbClr val="404040"/>
+                </a:solidFill>
+              </a:rPr>
               <a:t>Step 4: Read the Introduction</a:t>
-            </a:r>
-          </a:p>
-        </p:txBody>
-      </p:sp>
-      <p:sp>
-        <p:nvSpPr>
-          <p:cNvPr id="3" name="TextBox 2">
-            <a:extLst>
-              <a:ext uri="{FF2B5EF4-FFF2-40B4-BE49-F238E27FC236}">
-                <a16:creationId xmlns:a16="http://schemas.microsoft.com/office/drawing/2014/main" id="{962E9ECE-EEF1-4B89-A16F-6FE857ABBCBC}"/>
-              </a:ext>
-            </a:extLst>
-          </p:cNvPr>
-          <p:cNvSpPr txBox="1"/>
-          <p:nvPr/>
-        </p:nvSpPr>
-        <p:spPr>
-          <a:xfrm>
-            <a:off x="6400800" y="6396335"/>
-            <a:ext cx="3871722" cy="461665"/>
-          </a:xfrm>
-          <a:prstGeom prst="rect">
-            <a:avLst/>
-          </a:prstGeom>
-          <a:noFill/>
-        </p:spPr>
-        <p:txBody>
-          <a:bodyPr wrap="square" rtlCol="0">
-            <a:spAutoFit/>
-          </a:bodyPr>
-          <a:lstStyle/>
-          <a:p>
-            <a:r>
-              <a:rPr lang="en-US" i="1" dirty="0">
-                <a:solidFill>
-                  <a:srgbClr val="404040"/>
-                </a:solidFill>
-              </a:rPr>
-              <a:t>Approx. 5 Minutes</a:t>
             </a:r>
           </a:p>
         </p:txBody>
@@ -16229,6 +19161,42 @@
 </file>
 
 <file path=ppt/tags/tag13.xml><?xml version="1.0" encoding="utf-8"?>
+<p:tagLst xmlns:a="http://schemas.openxmlformats.org/drawingml/2006/main" xmlns:r="http://schemas.openxmlformats.org/officeDocument/2006/relationships" xmlns:p="http://schemas.openxmlformats.org/presentationml/2006/main">
+  <p:tag name="DELIMITERS" val="3.1"/>
+</p:tagLst>
+</file>
+
+<file path=ppt/tags/tag14.xml><?xml version="1.0" encoding="utf-8"?>
+<p:tagLst xmlns:a="http://schemas.openxmlformats.org/drawingml/2006/main" xmlns:r="http://schemas.openxmlformats.org/officeDocument/2006/relationships" xmlns:p="http://schemas.openxmlformats.org/presentationml/2006/main">
+  <p:tag name="DELIMITERS" val="3.1"/>
+</p:tagLst>
+</file>
+
+<file path=ppt/tags/tag15.xml><?xml version="1.0" encoding="utf-8"?>
+<p:tagLst xmlns:a="http://schemas.openxmlformats.org/drawingml/2006/main" xmlns:r="http://schemas.openxmlformats.org/officeDocument/2006/relationships" xmlns:p="http://schemas.openxmlformats.org/presentationml/2006/main">
+  <p:tag name="DELIMITERS" val="3.1"/>
+</p:tagLst>
+</file>
+
+<file path=ppt/tags/tag16.xml><?xml version="1.0" encoding="utf-8"?>
+<p:tagLst xmlns:a="http://schemas.openxmlformats.org/drawingml/2006/main" xmlns:r="http://schemas.openxmlformats.org/officeDocument/2006/relationships" xmlns:p="http://schemas.openxmlformats.org/presentationml/2006/main">
+  <p:tag name="DELIMITERS" val="3.1"/>
+</p:tagLst>
+</file>
+
+<file path=ppt/tags/tag17.xml><?xml version="1.0" encoding="utf-8"?>
+<p:tagLst xmlns:a="http://schemas.openxmlformats.org/drawingml/2006/main" xmlns:r="http://schemas.openxmlformats.org/officeDocument/2006/relationships" xmlns:p="http://schemas.openxmlformats.org/presentationml/2006/main">
+  <p:tag name="DELIMITERS" val="3.1"/>
+</p:tagLst>
+</file>
+
+<file path=ppt/tags/tag18.xml><?xml version="1.0" encoding="utf-8"?>
+<p:tagLst xmlns:a="http://schemas.openxmlformats.org/drawingml/2006/main" xmlns:r="http://schemas.openxmlformats.org/officeDocument/2006/relationships" xmlns:p="http://schemas.openxmlformats.org/presentationml/2006/main">
+  <p:tag name="DELIMITERS" val="3.1"/>
+</p:tagLst>
+</file>
+
+<file path=ppt/tags/tag19.xml><?xml version="1.0" encoding="utf-8"?>
 <p:tagLst xmlns:a="http://schemas.openxmlformats.org/drawingml/2006/main" xmlns:r="http://schemas.openxmlformats.org/officeDocument/2006/relationships" xmlns:p="http://schemas.openxmlformats.org/presentationml/2006/main">
   <p:tag name="DELIMITERS" val="3.1"/>
 </p:tagLst>

--- a/Lecture/Lecture 15/Lecture 15.pptx
+++ b/Lecture/Lecture 15/Lecture 15.pptx
@@ -3441,7 +3441,7 @@
               <a:pPr>
                 <a:defRPr/>
               </a:pPr>
-              <a:t>10/2/2018</a:t>
+              <a:t>10/3/2018</a:t>
             </a:fld>
             <a:endParaRPr lang="en-US" dirty="0"/>
           </a:p>
@@ -3653,7 +3653,7 @@
               <a:pPr>
                 <a:defRPr/>
               </a:pPr>
-              <a:t>10/2/2018</a:t>
+              <a:t>10/3/2018</a:t>
             </a:fld>
             <a:endParaRPr lang="en-US" dirty="0"/>
           </a:p>
@@ -4172,7 +4172,7 @@
               <a:pPr>
                 <a:defRPr/>
               </a:pPr>
-              <a:t>10/2/2018</a:t>
+              <a:t>10/3/2018</a:t>
             </a:fld>
             <a:endParaRPr lang="en-US" dirty="0"/>
           </a:p>
@@ -4362,7 +4362,7 @@
               <a:pPr>
                 <a:defRPr/>
               </a:pPr>
-              <a:t>10/2/2018</a:t>
+              <a:t>10/3/2018</a:t>
             </a:fld>
             <a:endParaRPr lang="en-US" dirty="0"/>
           </a:p>
@@ -4562,7 +4562,7 @@
               <a:pPr>
                 <a:defRPr/>
               </a:pPr>
-              <a:t>10/2/2018</a:t>
+              <a:t>10/3/2018</a:t>
             </a:fld>
             <a:endParaRPr lang="en-US" dirty="0"/>
           </a:p>
@@ -4830,7 +4830,7 @@
               <a:pPr>
                 <a:defRPr/>
               </a:pPr>
-              <a:t>10/2/2018</a:t>
+              <a:t>10/3/2018</a:t>
             </a:fld>
             <a:endParaRPr lang="en-US" dirty="0">
               <a:solidFill>
@@ -5044,7 +5044,7 @@
               <a:pPr>
                 <a:defRPr/>
               </a:pPr>
-              <a:t>10/2/2018</a:t>
+              <a:t>10/3/2018</a:t>
             </a:fld>
             <a:endParaRPr lang="en-US" dirty="0">
               <a:solidFill>
@@ -5335,7 +5335,7 @@
               <a:pPr>
                 <a:defRPr/>
               </a:pPr>
-              <a:t>10/2/2018</a:t>
+              <a:t>10/3/2018</a:t>
             </a:fld>
             <a:endParaRPr lang="en-US" dirty="0">
               <a:solidFill>
@@ -5666,7 +5666,7 @@
               <a:pPr>
                 <a:defRPr/>
               </a:pPr>
-              <a:t>10/2/2018</a:t>
+              <a:t>10/3/2018</a:t>
             </a:fld>
             <a:endParaRPr lang="en-US" dirty="0">
               <a:solidFill>
@@ -6131,7 +6131,7 @@
               <a:pPr>
                 <a:defRPr/>
               </a:pPr>
-              <a:t>10/2/2018</a:t>
+              <a:t>10/3/2018</a:t>
             </a:fld>
             <a:endParaRPr lang="en-US" dirty="0">
               <a:solidFill>
@@ -6294,7 +6294,7 @@
               <a:pPr>
                 <a:defRPr/>
               </a:pPr>
-              <a:t>10/2/2018</a:t>
+              <a:t>10/3/2018</a:t>
             </a:fld>
             <a:endParaRPr lang="en-US" dirty="0">
               <a:solidFill>
@@ -6435,7 +6435,7 @@
               <a:pPr>
                 <a:defRPr/>
               </a:pPr>
-              <a:t>10/2/2018</a:t>
+              <a:t>10/3/2018</a:t>
             </a:fld>
             <a:endParaRPr lang="en-US" dirty="0">
               <a:solidFill>
@@ -6756,7 +6756,7 @@
               <a:pPr>
                 <a:defRPr/>
               </a:pPr>
-              <a:t>10/2/2018</a:t>
+              <a:t>10/3/2018</a:t>
             </a:fld>
             <a:endParaRPr lang="en-US" dirty="0">
               <a:solidFill>
@@ -6964,7 +6964,7 @@
               <a:pPr>
                 <a:defRPr/>
               </a:pPr>
-              <a:t>10/2/2018</a:t>
+              <a:t>10/3/2018</a:t>
             </a:fld>
             <a:endParaRPr lang="en-US" dirty="0"/>
           </a:p>
@@ -7247,7 +7247,7 @@
               <a:pPr>
                 <a:defRPr/>
               </a:pPr>
-              <a:t>10/2/2018</a:t>
+              <a:t>10/3/2018</a:t>
             </a:fld>
             <a:endParaRPr lang="en-US" dirty="0">
               <a:solidFill>
@@ -7461,7 +7461,7 @@
               <a:pPr>
                 <a:defRPr/>
               </a:pPr>
-              <a:t>10/2/2018</a:t>
+              <a:t>10/3/2018</a:t>
             </a:fld>
             <a:endParaRPr lang="en-US" dirty="0">
               <a:solidFill>
@@ -7685,7 +7685,7 @@
               <a:pPr>
                 <a:defRPr/>
               </a:pPr>
-              <a:t>10/2/2018</a:t>
+              <a:t>10/3/2018</a:t>
             </a:fld>
             <a:endParaRPr lang="en-US" dirty="0">
               <a:solidFill>
@@ -7895,7 +7895,7 @@
               <a:pPr>
                 <a:defRPr/>
               </a:pPr>
-              <a:t>10/2/2018</a:t>
+              <a:t>10/3/2018</a:t>
             </a:fld>
             <a:endParaRPr lang="en-US" dirty="0">
               <a:solidFill>
@@ -8172,7 +8172,7 @@
               <a:pPr>
                 <a:defRPr/>
               </a:pPr>
-              <a:t>10/2/2018</a:t>
+              <a:t>10/3/2018</a:t>
             </a:fld>
             <a:endParaRPr lang="en-US" dirty="0"/>
           </a:p>
@@ -8479,7 +8479,7 @@
               <a:pPr>
                 <a:defRPr/>
               </a:pPr>
-              <a:t>10/2/2018</a:t>
+              <a:t>10/3/2018</a:t>
             </a:fld>
             <a:endParaRPr lang="en-US" dirty="0"/>
           </a:p>
@@ -8920,7 +8920,7 @@
               <a:pPr>
                 <a:defRPr/>
               </a:pPr>
-              <a:t>10/2/2018</a:t>
+              <a:t>10/3/2018</a:t>
             </a:fld>
             <a:endParaRPr lang="en-US" dirty="0"/>
           </a:p>
@@ -9059,7 +9059,7 @@
               <a:pPr>
                 <a:defRPr/>
               </a:pPr>
-              <a:t>10/2/2018</a:t>
+              <a:t>10/3/2018</a:t>
             </a:fld>
             <a:endParaRPr lang="en-US" dirty="0"/>
           </a:p>
@@ -9176,7 +9176,7 @@
               <a:pPr>
                 <a:defRPr/>
               </a:pPr>
-              <a:t>10/2/2018</a:t>
+              <a:t>10/3/2018</a:t>
             </a:fld>
             <a:endParaRPr lang="en-US" dirty="0"/>
           </a:p>
@@ -9473,7 +9473,7 @@
               <a:pPr>
                 <a:defRPr/>
               </a:pPr>
-              <a:t>10/2/2018</a:t>
+              <a:t>10/3/2018</a:t>
             </a:fld>
             <a:endParaRPr lang="en-US" dirty="0"/>
           </a:p>
@@ -9750,7 +9750,7 @@
               <a:pPr>
                 <a:defRPr/>
               </a:pPr>
-              <a:t>10/2/2018</a:t>
+              <a:t>10/3/2018</a:t>
             </a:fld>
             <a:endParaRPr lang="en-US" dirty="0"/>
           </a:p>
@@ -10007,7 +10007,7 @@
               <a:pPr>
                 <a:defRPr/>
               </a:pPr>
-              <a:t>10/2/2018</a:t>
+              <a:t>10/3/2018</a:t>
             </a:fld>
             <a:endParaRPr lang="en-US" dirty="0"/>
           </a:p>
@@ -10717,7 +10717,7 @@
               <a:pPr>
                 <a:defRPr/>
               </a:pPr>
-              <a:t>10/2/2018</a:t>
+              <a:t>10/3/2018</a:t>
             </a:fld>
             <a:endParaRPr lang="en-US" dirty="0">
               <a:solidFill>
